--- a/review paper/Time series analysis.pptx
+++ b/review paper/Time series analysis.pptx
@@ -12,15 +12,16 @@
     <p:sldId id="263" r:id="rId6"/>
     <p:sldId id="262" r:id="rId7"/>
     <p:sldId id="264" r:id="rId8"/>
-    <p:sldId id="266" r:id="rId9"/>
-    <p:sldId id="265" r:id="rId10"/>
-    <p:sldId id="273" r:id="rId11"/>
-    <p:sldId id="274" r:id="rId12"/>
-    <p:sldId id="275" r:id="rId13"/>
-    <p:sldId id="276" r:id="rId14"/>
-    <p:sldId id="280" r:id="rId15"/>
-    <p:sldId id="281" r:id="rId16"/>
-    <p:sldId id="279" r:id="rId17"/>
+    <p:sldId id="265" r:id="rId9"/>
+    <p:sldId id="273" r:id="rId10"/>
+    <p:sldId id="274" r:id="rId11"/>
+    <p:sldId id="275" r:id="rId12"/>
+    <p:sldId id="276" r:id="rId13"/>
+    <p:sldId id="285" r:id="rId14"/>
+    <p:sldId id="284" r:id="rId15"/>
+    <p:sldId id="283" r:id="rId16"/>
+    <p:sldId id="282" r:id="rId17"/>
+    <p:sldId id="279" r:id="rId18"/>
   </p:sldIdLst>
   <p:sldSz cx="12192000" cy="6858000"/>
   <p:notesSz cx="6858000" cy="9144000"/>
@@ -309,7 +310,7 @@
             <a:fld id="{87DE6118-2437-4B30-8E3C-4D2BE6020583}" type="datetimeFigureOut">
               <a:rPr lang="en-US" dirty="0"/>
               <a:pPr/>
-              <a:t>10/19/2021</a:t>
+              <a:t>10/20/2021</a:t>
             </a:fld>
             <a:endParaRPr lang="en-US" dirty="0"/>
           </a:p>
@@ -635,7 +636,7 @@
           <a:p>
             <a:fld id="{87DE6118-2437-4B30-8E3C-4D2BE6020583}" type="datetimeFigureOut">
               <a:rPr lang="en-US" dirty="0"/>
-              <a:t>10/19/2021</a:t>
+              <a:t>10/20/2021</a:t>
             </a:fld>
             <a:endParaRPr lang="en-US" dirty="0"/>
           </a:p>
@@ -810,7 +811,7 @@
           <a:p>
             <a:fld id="{87DE6118-2437-4B30-8E3C-4D2BE6020583}" type="datetimeFigureOut">
               <a:rPr lang="en-US" dirty="0"/>
-              <a:t>10/19/2021</a:t>
+              <a:t>10/20/2021</a:t>
             </a:fld>
             <a:endParaRPr lang="en-US" dirty="0"/>
           </a:p>
@@ -975,7 +976,7 @@
           <a:p>
             <a:fld id="{87DE6118-2437-4B30-8E3C-4D2BE6020583}" type="datetimeFigureOut">
               <a:rPr lang="en-US" dirty="0"/>
-              <a:t>10/19/2021</a:t>
+              <a:t>10/20/2021</a:t>
             </a:fld>
             <a:endParaRPr lang="en-US" dirty="0"/>
           </a:p>
@@ -1248,7 +1249,7 @@
             <a:fld id="{87DE6118-2437-4B30-8E3C-4D2BE6020583}" type="datetimeFigureOut">
               <a:rPr lang="en-US" dirty="0"/>
               <a:pPr/>
-              <a:t>10/19/2021</a:t>
+              <a:t>10/20/2021</a:t>
             </a:fld>
             <a:endParaRPr lang="en-US" dirty="0"/>
           </a:p>
@@ -1638,7 +1639,7 @@
           <a:p>
             <a:fld id="{87DE6118-2437-4B30-8E3C-4D2BE6020583}" type="datetimeFigureOut">
               <a:rPr lang="en-US" dirty="0"/>
-              <a:t>10/19/2021</a:t>
+              <a:t>10/20/2021</a:t>
             </a:fld>
             <a:endParaRPr lang="en-US" dirty="0"/>
           </a:p>
@@ -2110,7 +2111,7 @@
           <a:p>
             <a:fld id="{87DE6118-2437-4B30-8E3C-4D2BE6020583}" type="datetimeFigureOut">
               <a:rPr lang="en-US" dirty="0"/>
-              <a:t>10/19/2021</a:t>
+              <a:t>10/20/2021</a:t>
             </a:fld>
             <a:endParaRPr lang="en-US" dirty="0"/>
           </a:p>
@@ -2223,7 +2224,7 @@
           <a:p>
             <a:fld id="{87DE6118-2437-4B30-8E3C-4D2BE6020583}" type="datetimeFigureOut">
               <a:rPr lang="en-US" dirty="0"/>
-              <a:t>10/19/2021</a:t>
+              <a:t>10/20/2021</a:t>
             </a:fld>
             <a:endParaRPr lang="en-US" dirty="0"/>
           </a:p>
@@ -2313,7 +2314,7 @@
           <a:p>
             <a:fld id="{87DE6118-2437-4B30-8E3C-4D2BE6020583}" type="datetimeFigureOut">
               <a:rPr lang="en-US" dirty="0"/>
-              <a:t>10/19/2021</a:t>
+              <a:t>10/20/2021</a:t>
             </a:fld>
             <a:endParaRPr lang="en-US" dirty="0"/>
           </a:p>
@@ -2655,7 +2656,7 @@
             <a:fld id="{87DE6118-2437-4B30-8E3C-4D2BE6020583}" type="datetimeFigureOut">
               <a:rPr lang="en-US" dirty="0"/>
               <a:pPr/>
-              <a:t>10/19/2021</a:t>
+              <a:t>10/20/2021</a:t>
             </a:fld>
             <a:endParaRPr lang="en-US" dirty="0"/>
           </a:p>
@@ -3040,7 +3041,7 @@
             <a:fld id="{87DE6118-2437-4B30-8E3C-4D2BE6020583}" type="datetimeFigureOut">
               <a:rPr lang="en-US" dirty="0"/>
               <a:pPr/>
-              <a:t>10/19/2021</a:t>
+              <a:t>10/20/2021</a:t>
             </a:fld>
             <a:endParaRPr lang="en-US" dirty="0"/>
           </a:p>
@@ -3315,7 +3316,7 @@
             <a:fld id="{87DE6118-2437-4B30-8E3C-4D2BE6020583}" type="datetimeFigureOut">
               <a:rPr lang="en-US" dirty="0"/>
               <a:pPr/>
-              <a:t>10/19/2021</a:t>
+              <a:t>10/20/2021</a:t>
             </a:fld>
             <a:endParaRPr lang="en-US" dirty="0"/>
           </a:p>
@@ -4076,236 +4077,10 @@
   <p:clrMapOvr>
     <a:masterClrMapping/>
   </p:clrMapOvr>
-  <p:transition spd="slow">
-    <p:push dir="u"/>
-  </p:transition>
 </p:sld>
 </file>
 
 <file path=ppt/slides/slide10.xml><?xml version="1.0" encoding="utf-8"?>
-<p:sld xmlns:a="http://schemas.openxmlformats.org/drawingml/2006/main" xmlns:r="http://schemas.openxmlformats.org/officeDocument/2006/relationships" xmlns:p="http://schemas.openxmlformats.org/presentationml/2006/main">
-  <p:cSld>
-    <p:bg>
-      <p:bgPr>
-        <a:solidFill>
-          <a:srgbClr val="D4DDF8"/>
-        </a:solidFill>
-        <a:effectLst/>
-      </p:bgPr>
-    </p:bg>
-    <p:spTree>
-      <p:nvGrpSpPr>
-        <p:cNvPr id="1" name=""/>
-        <p:cNvGrpSpPr/>
-        <p:nvPr/>
-      </p:nvGrpSpPr>
-      <p:grpSpPr>
-        <a:xfrm>
-          <a:off x="0" y="0"/>
-          <a:ext cx="0" cy="0"/>
-          <a:chOff x="0" y="0"/>
-          <a:chExt cx="0" cy="0"/>
-        </a:xfrm>
-      </p:grpSpPr>
-      <p:sp>
-        <p:nvSpPr>
-          <p:cNvPr id="2" name="Title 1">
-            <a:extLst>
-              <a:ext uri="{FF2B5EF4-FFF2-40B4-BE49-F238E27FC236}">
-                <a16:creationId xmlns:a16="http://schemas.microsoft.com/office/drawing/2014/main" id="{EDBF43FD-89B7-47C7-9665-728284DB6B33}"/>
-              </a:ext>
-            </a:extLst>
-          </p:cNvPr>
-          <p:cNvSpPr>
-            <a:spLocks noGrp="1"/>
-          </p:cNvSpPr>
-          <p:nvPr>
-            <p:ph type="title"/>
-          </p:nvPr>
-        </p:nvSpPr>
-        <p:spPr/>
-        <p:txBody>
-          <a:bodyPr/>
-          <a:lstStyle/>
-          <a:p>
-            <a:r>
-              <a:rPr lang="en-IN" sz="4400" dirty="0">
-                <a:effectLst/>
-                <a:latin typeface="Times New Roman" panose="02020603050405020304" pitchFamily="18" charset="0"/>
-                <a:ea typeface="Calibri" panose="020F0502020204030204" pitchFamily="34" charset="0"/>
-                <a:cs typeface="Times New Roman" panose="02020603050405020304" pitchFamily="18" charset="0"/>
-              </a:rPr>
-              <a:t>WHAT ARIMA STANDS FOR?</a:t>
-            </a:r>
-            <a:endParaRPr lang="en-US" dirty="0">
-              <a:latin typeface="Times New Roman" panose="02020603050405020304" pitchFamily="18" charset="0"/>
-              <a:cs typeface="Times New Roman" panose="02020603050405020304" pitchFamily="18" charset="0"/>
-            </a:endParaRPr>
-          </a:p>
-        </p:txBody>
-      </p:sp>
-      <p:sp>
-        <p:nvSpPr>
-          <p:cNvPr id="3" name="Content Placeholder 2">
-            <a:extLst>
-              <a:ext uri="{FF2B5EF4-FFF2-40B4-BE49-F238E27FC236}">
-                <a16:creationId xmlns:a16="http://schemas.microsoft.com/office/drawing/2014/main" id="{7E6361FD-4539-4556-9C60-2C0D41F8A318}"/>
-              </a:ext>
-            </a:extLst>
-          </p:cNvPr>
-          <p:cNvSpPr>
-            <a:spLocks noGrp="1"/>
-          </p:cNvSpPr>
-          <p:nvPr>
-            <p:ph idx="1"/>
-          </p:nvPr>
-        </p:nvSpPr>
-        <p:spPr>
-          <a:xfrm>
-            <a:off x="1371599" y="1695796"/>
-            <a:ext cx="9709265" cy="4754880"/>
-          </a:xfrm>
-        </p:spPr>
-        <p:txBody>
-          <a:bodyPr>
-            <a:normAutofit/>
-          </a:bodyPr>
-          <a:lstStyle/>
-          <a:p>
-            <a:pPr marL="0" indent="0">
-              <a:buNone/>
-            </a:pPr>
-            <a:r>
-              <a:rPr lang="en-US" sz="2400" dirty="0">
-                <a:latin typeface="Calibri" panose="020F0502020204030204" pitchFamily="34" charset="0"/>
-                <a:cs typeface="Calibri" panose="020F0502020204030204" pitchFamily="34" charset="0"/>
-              </a:rPr>
-              <a:t>ARIMA is an acronym that stands for </a:t>
-            </a:r>
-            <a:r>
-              <a:rPr lang="en-US" sz="2400" b="1" dirty="0">
-                <a:latin typeface="Calibri" panose="020F0502020204030204" pitchFamily="34" charset="0"/>
-                <a:cs typeface="Calibri" panose="020F0502020204030204" pitchFamily="34" charset="0"/>
-              </a:rPr>
-              <a:t>Autoregressive Integrated Moving Average</a:t>
-            </a:r>
-            <a:r>
-              <a:rPr lang="en-US" sz="2400" dirty="0">
-                <a:latin typeface="Calibri" panose="020F0502020204030204" pitchFamily="34" charset="0"/>
-                <a:cs typeface="Calibri" panose="020F0502020204030204" pitchFamily="34" charset="0"/>
-              </a:rPr>
-              <a:t>.</a:t>
-            </a:r>
-          </a:p>
-          <a:p>
-            <a:pPr marL="0" indent="0">
-              <a:buNone/>
-            </a:pPr>
-            <a:endParaRPr lang="en-US" sz="2400" dirty="0">
-              <a:latin typeface="Calibri" panose="020F0502020204030204" pitchFamily="34" charset="0"/>
-              <a:cs typeface="Calibri" panose="020F0502020204030204" pitchFamily="34" charset="0"/>
-            </a:endParaRPr>
-          </a:p>
-          <a:p>
-            <a:pPr>
-              <a:buFont typeface="Wingdings" panose="05000000000000000000" pitchFamily="2" charset="2"/>
-              <a:buChar char="§"/>
-            </a:pPr>
-            <a:r>
-              <a:rPr lang="en-US" sz="2200" dirty="0">
-                <a:latin typeface="Calibri" panose="020F0502020204030204" pitchFamily="34" charset="0"/>
-                <a:cs typeface="Calibri" panose="020F0502020204030204" pitchFamily="34" charset="0"/>
-              </a:rPr>
-              <a:t>AR: </a:t>
-            </a:r>
-            <a:r>
-              <a:rPr lang="en-US" sz="2200" b="1" dirty="0">
-                <a:latin typeface="Calibri" panose="020F0502020204030204" pitchFamily="34" charset="0"/>
-                <a:cs typeface="Calibri" panose="020F0502020204030204" pitchFamily="34" charset="0"/>
-              </a:rPr>
-              <a:t>Autoregression</a:t>
-            </a:r>
-            <a:r>
-              <a:rPr lang="en-US" sz="2200" dirty="0">
-                <a:latin typeface="Calibri" panose="020F0502020204030204" pitchFamily="34" charset="0"/>
-                <a:cs typeface="Calibri" panose="020F0502020204030204" pitchFamily="34" charset="0"/>
-              </a:rPr>
-              <a:t> - A model that uses the dependent relationship between an observation and some number of lagged observations.</a:t>
-            </a:r>
-          </a:p>
-          <a:p>
-            <a:pPr>
-              <a:buFont typeface="Wingdings" panose="05000000000000000000" pitchFamily="2" charset="2"/>
-              <a:buChar char="§"/>
-            </a:pPr>
-            <a:r>
-              <a:rPr lang="en-US" sz="2200" dirty="0">
-                <a:latin typeface="Calibri" panose="020F0502020204030204" pitchFamily="34" charset="0"/>
-                <a:cs typeface="Calibri" panose="020F0502020204030204" pitchFamily="34" charset="0"/>
-              </a:rPr>
-              <a:t>I: </a:t>
-            </a:r>
-            <a:r>
-              <a:rPr lang="en-US" sz="2200" b="1" dirty="0">
-                <a:latin typeface="Calibri" panose="020F0502020204030204" pitchFamily="34" charset="0"/>
-                <a:cs typeface="Calibri" panose="020F0502020204030204" pitchFamily="34" charset="0"/>
-              </a:rPr>
-              <a:t>Integrated</a:t>
-            </a:r>
-            <a:r>
-              <a:rPr lang="en-US" sz="2200" dirty="0">
-                <a:latin typeface="Calibri" panose="020F0502020204030204" pitchFamily="34" charset="0"/>
-                <a:cs typeface="Calibri" panose="020F0502020204030204" pitchFamily="34" charset="0"/>
-              </a:rPr>
-              <a:t> - The use of differencing of raw observations (e.g., subtracting an observation from an observation at the previous time step) in order to make the time series stationary.</a:t>
-            </a:r>
-          </a:p>
-          <a:p>
-            <a:pPr>
-              <a:buFont typeface="Wingdings" panose="05000000000000000000" pitchFamily="2" charset="2"/>
-              <a:buChar char="§"/>
-            </a:pPr>
-            <a:r>
-              <a:rPr lang="en-US" sz="2200" dirty="0">
-                <a:latin typeface="Calibri" panose="020F0502020204030204" pitchFamily="34" charset="0"/>
-                <a:cs typeface="Calibri" panose="020F0502020204030204" pitchFamily="34" charset="0"/>
-              </a:rPr>
-              <a:t>MA: </a:t>
-            </a:r>
-            <a:r>
-              <a:rPr lang="en-US" sz="2200" b="1" dirty="0">
-                <a:latin typeface="Calibri" panose="020F0502020204030204" pitchFamily="34" charset="0"/>
-                <a:cs typeface="Calibri" panose="020F0502020204030204" pitchFamily="34" charset="0"/>
-              </a:rPr>
-              <a:t>Moving Average </a:t>
-            </a:r>
-            <a:r>
-              <a:rPr lang="en-US" sz="2200" dirty="0">
-                <a:latin typeface="Calibri" panose="020F0502020204030204" pitchFamily="34" charset="0"/>
-                <a:cs typeface="Calibri" panose="020F0502020204030204" pitchFamily="34" charset="0"/>
-              </a:rPr>
-              <a:t>- A model that uses the dependency between an observation and a residual error from a moving average model applied to lagged observations.</a:t>
-            </a:r>
-          </a:p>
-        </p:txBody>
-      </p:sp>
-    </p:spTree>
-    <p:extLst>
-      <p:ext uri="{BB962C8B-B14F-4D97-AF65-F5344CB8AC3E}">
-        <p14:creationId xmlns:p14="http://schemas.microsoft.com/office/powerpoint/2010/main" val="1728458805"/>
-      </p:ext>
-    </p:extLst>
-  </p:cSld>
-  <p:clrMapOvr>
-    <a:masterClrMapping/>
-  </p:clrMapOvr>
-  <p:transition spd="slow">
-    <p:push dir="r"/>
-  </p:transition>
-</p:sld>
-</file>
-
-<file path=ppt/slides/slide11.xml><?xml version="1.0" encoding="utf-8"?>
 <p:sld xmlns:a="http://schemas.openxmlformats.org/drawingml/2006/main" xmlns:r="http://schemas.openxmlformats.org/officeDocument/2006/relationships" xmlns:p="http://schemas.openxmlformats.org/presentationml/2006/main">
   <p:cSld>
     <p:bg>
@@ -4455,13 +4230,10 @@
   <p:clrMapOvr>
     <a:masterClrMapping/>
   </p:clrMapOvr>
-  <p:transition spd="slow">
-    <p:push/>
-  </p:transition>
 </p:sld>
 </file>
 
-<file path=ppt/slides/slide12.xml><?xml version="1.0" encoding="utf-8"?>
+<file path=ppt/slides/slide11.xml><?xml version="1.0" encoding="utf-8"?>
 <p:sld xmlns:a="http://schemas.openxmlformats.org/drawingml/2006/main" xmlns:r="http://schemas.openxmlformats.org/officeDocument/2006/relationships" xmlns:p="http://schemas.openxmlformats.org/presentationml/2006/main">
   <p:cSld>
     <p:bg>
@@ -4546,7 +4318,7 @@
         </p:nvSpPr>
         <p:spPr>
           <a:xfrm>
-            <a:off x="1371600" y="1720735"/>
+            <a:off x="1371599" y="1749764"/>
             <a:ext cx="9950335" cy="4555374"/>
           </a:xfrm>
         </p:spPr>
@@ -4568,9 +4340,18 @@
             </a:r>
           </a:p>
           <a:p>
+            <a:pPr marL="0" indent="0">
+              <a:buNone/>
+            </a:pPr>
+            <a:endParaRPr lang="en-US" sz="2200" dirty="0">
+              <a:latin typeface="Calibri" panose="020F0502020204030204" pitchFamily="34" charset="0"/>
+              <a:cs typeface="Calibri" panose="020F0502020204030204" pitchFamily="34" charset="0"/>
+            </a:endParaRPr>
+          </a:p>
+          <a:p>
             <a:pPr>
-              <a:buFont typeface="Wingdings" panose="05000000000000000000" pitchFamily="2" charset="2"/>
-              <a:buChar char="§"/>
+              <a:buFont typeface="Arial" panose="020B0604020202020204" pitchFamily="34" charset="0"/>
+              <a:buChar char="•"/>
             </a:pPr>
             <a:r>
               <a:rPr lang="en-US" sz="2200" b="1" dirty="0">
@@ -4589,9 +4370,19 @@
           </a:p>
           <a:p>
             <a:pPr>
-              <a:buFont typeface="Wingdings" panose="05000000000000000000" pitchFamily="2" charset="2"/>
-              <a:buChar char="§"/>
+              <a:buFont typeface="Arial" panose="020B0604020202020204" pitchFamily="34" charset="0"/>
+              <a:buChar char="•"/>
             </a:pPr>
+            <a:endParaRPr lang="en-US" sz="2200" dirty="0">
+              <a:latin typeface="Calibri" panose="020F0502020204030204" pitchFamily="34" charset="0"/>
+              <a:cs typeface="Calibri" panose="020F0502020204030204" pitchFamily="34" charset="0"/>
+            </a:endParaRPr>
+          </a:p>
+          <a:p>
+            <a:pPr>
+              <a:buFont typeface="Arial" panose="020B0604020202020204" pitchFamily="34" charset="0"/>
+              <a:buChar char="•"/>
+            </a:pPr>
             <a:r>
               <a:rPr lang="en-US" sz="2200" b="1" dirty="0">
                 <a:latin typeface="Calibri" panose="020F0502020204030204" pitchFamily="34" charset="0"/>
@@ -4609,9 +4400,19 @@
           </a:p>
           <a:p>
             <a:pPr>
-              <a:buFont typeface="Wingdings" panose="05000000000000000000" pitchFamily="2" charset="2"/>
-              <a:buChar char="§"/>
+              <a:buFont typeface="Arial" panose="020B0604020202020204" pitchFamily="34" charset="0"/>
+              <a:buChar char="•"/>
             </a:pPr>
+            <a:endParaRPr lang="en-US" sz="2200" dirty="0">
+              <a:latin typeface="Calibri" panose="020F0502020204030204" pitchFamily="34" charset="0"/>
+              <a:cs typeface="Calibri" panose="020F0502020204030204" pitchFamily="34" charset="0"/>
+            </a:endParaRPr>
+          </a:p>
+          <a:p>
+            <a:pPr>
+              <a:buFont typeface="Arial" panose="020B0604020202020204" pitchFamily="34" charset="0"/>
+              <a:buChar char="•"/>
+            </a:pPr>
             <a:r>
               <a:rPr lang="en-US" sz="2200" b="1" dirty="0">
                 <a:latin typeface="Calibri" panose="020F0502020204030204" pitchFamily="34" charset="0"/>
@@ -4625,26 +4426,6 @@
                 <a:cs typeface="Calibri" panose="020F0502020204030204" pitchFamily="34" charset="0"/>
               </a:rPr>
               <a:t>: In order to satisfy the assumption, it is necessary to make the series stationary. This would include checking the stationarity of the series and performing required transformations, i.e., bringing the p-value &lt; 0.5.</a:t>
-            </a:r>
-          </a:p>
-          <a:p>
-            <a:pPr>
-              <a:buFont typeface="Wingdings" panose="05000000000000000000" pitchFamily="2" charset="2"/>
-              <a:buChar char="§"/>
-            </a:pPr>
-            <a:r>
-              <a:rPr lang="en-US" sz="2200" b="1" dirty="0">
-                <a:latin typeface="Calibri" panose="020F0502020204030204" pitchFamily="34" charset="0"/>
-                <a:cs typeface="Calibri" panose="020F0502020204030204" pitchFamily="34" charset="0"/>
-              </a:rPr>
-              <a:t>Determine d-value</a:t>
-            </a:r>
-            <a:r>
-              <a:rPr lang="en-US" sz="2200" dirty="0">
-                <a:latin typeface="Calibri" panose="020F0502020204030204" pitchFamily="34" charset="0"/>
-                <a:cs typeface="Calibri" panose="020F0502020204030204" pitchFamily="34" charset="0"/>
-              </a:rPr>
-              <a:t>: For making the series stationary, the number of times the difference operation was performed will be taken as the d value.</a:t>
             </a:r>
           </a:p>
         </p:txBody>
@@ -4659,13 +4440,10 @@
   <p:clrMapOvr>
     <a:masterClrMapping/>
   </p:clrMapOvr>
-  <p:transition spd="slow">
-    <p:push dir="u"/>
-  </p:transition>
 </p:sld>
 </file>
 
-<file path=ppt/slides/slide13.xml><?xml version="1.0" encoding="utf-8"?>
+<file path=ppt/slides/slide12.xml><?xml version="1.0" encoding="utf-8"?>
 <p:sld xmlns:a="http://schemas.openxmlformats.org/drawingml/2006/main" xmlns:r="http://schemas.openxmlformats.org/officeDocument/2006/relationships" xmlns:p="http://schemas.openxmlformats.org/presentationml/2006/main">
   <p:cSld>
     <p:bg>
@@ -4711,8 +4489,8 @@
         </p:nvSpPr>
         <p:spPr>
           <a:xfrm>
-            <a:off x="1016000" y="428171"/>
-            <a:ext cx="11039876" cy="6313715"/>
+            <a:off x="1016000" y="834571"/>
+            <a:ext cx="11039876" cy="5907315"/>
           </a:xfrm>
         </p:spPr>
         <p:txBody>
@@ -4720,6 +4498,117 @@
             <a:normAutofit/>
           </a:bodyPr>
           <a:lstStyle/>
+          <a:p>
+            <a:pPr marL="342900" indent="-342900">
+              <a:lnSpc>
+                <a:spcPct val="115000"/>
+              </a:lnSpc>
+              <a:spcBef>
+                <a:spcPts val="0"/>
+              </a:spcBef>
+              <a:spcAft>
+                <a:spcPts val="0"/>
+              </a:spcAft>
+              <a:buFont typeface="Calibri" panose="020F0502020204030204" pitchFamily="34" charset="0"/>
+              <a:buChar char="•"/>
+            </a:pPr>
+            <a:r>
+              <a:rPr lang="en-IN" sz="2200" b="1" dirty="0">
+                <a:effectLst/>
+                <a:latin typeface="Calibri-Bold"/>
+                <a:ea typeface="Calibri" panose="020F0502020204030204" pitchFamily="34" charset="0"/>
+                <a:cs typeface="Calibri-Bold"/>
+              </a:rPr>
+              <a:t>Determine the p and q values: </a:t>
+            </a:r>
+            <a:r>
+              <a:rPr lang="en-IN" sz="2200" dirty="0">
+                <a:effectLst/>
+                <a:latin typeface="Calibri" panose="020F0502020204030204" pitchFamily="34" charset="0"/>
+                <a:ea typeface="Calibri" panose="020F0502020204030204" pitchFamily="34" charset="0"/>
+                <a:cs typeface="Calibri" panose="020F0502020204030204" pitchFamily="34" charset="0"/>
+              </a:rPr>
+              <a:t>Read the values of p and q from the plots in the previous step.</a:t>
+            </a:r>
+            <a:endParaRPr lang="en-US" sz="2200" b="1" dirty="0">
+              <a:latin typeface="Calibri" panose="020F0502020204030204" pitchFamily="34" charset="0"/>
+              <a:cs typeface="Calibri" panose="020F0502020204030204" pitchFamily="34" charset="0"/>
+            </a:endParaRPr>
+          </a:p>
+          <a:p>
+            <a:pPr marL="342900" indent="-342900">
+              <a:lnSpc>
+                <a:spcPct val="115000"/>
+              </a:lnSpc>
+              <a:spcBef>
+                <a:spcPts val="0"/>
+              </a:spcBef>
+              <a:spcAft>
+                <a:spcPts val="0"/>
+              </a:spcAft>
+              <a:buFont typeface="Calibri" panose="020F0502020204030204" pitchFamily="34" charset="0"/>
+              <a:buChar char="•"/>
+            </a:pPr>
+            <a:endParaRPr lang="en-US" sz="2200" b="1" dirty="0">
+              <a:latin typeface="Calibri" panose="020F0502020204030204" pitchFamily="34" charset="0"/>
+              <a:cs typeface="Calibri" panose="020F0502020204030204" pitchFamily="34" charset="0"/>
+            </a:endParaRPr>
+          </a:p>
+          <a:p>
+            <a:pPr marL="342900" indent="-342900">
+              <a:lnSpc>
+                <a:spcPct val="115000"/>
+              </a:lnSpc>
+              <a:spcBef>
+                <a:spcPts val="0"/>
+              </a:spcBef>
+              <a:spcAft>
+                <a:spcPts val="0"/>
+              </a:spcAft>
+              <a:buFont typeface="Calibri" panose="020F0502020204030204" pitchFamily="34" charset="0"/>
+              <a:buChar char="•"/>
+            </a:pPr>
+            <a:r>
+              <a:rPr lang="en-US" sz="2200" b="1" dirty="0">
+                <a:latin typeface="Calibri" panose="020F0502020204030204" pitchFamily="34" charset="0"/>
+                <a:cs typeface="Calibri" panose="020F0502020204030204" pitchFamily="34" charset="0"/>
+              </a:rPr>
+              <a:t>Determine d-value</a:t>
+            </a:r>
+            <a:r>
+              <a:rPr lang="en-US" sz="2200" dirty="0">
+                <a:latin typeface="Calibri" panose="020F0502020204030204" pitchFamily="34" charset="0"/>
+                <a:cs typeface="Calibri" panose="020F0502020204030204" pitchFamily="34" charset="0"/>
+              </a:rPr>
+              <a:t>: For making the series stationary, the number of times the difference operation was performed will be taken as the d value.</a:t>
+            </a:r>
+            <a:endParaRPr lang="en-IN" sz="2200" b="1" dirty="0">
+              <a:effectLst/>
+              <a:latin typeface="Calibri-Bold"/>
+              <a:ea typeface="Calibri" panose="020F0502020204030204" pitchFamily="34" charset="0"/>
+              <a:cs typeface="Calibri-Bold"/>
+            </a:endParaRPr>
+          </a:p>
+          <a:p>
+            <a:pPr marL="0" marR="0" lvl="0" indent="0">
+              <a:lnSpc>
+                <a:spcPct val="115000"/>
+              </a:lnSpc>
+              <a:spcBef>
+                <a:spcPts val="0"/>
+              </a:spcBef>
+              <a:spcAft>
+                <a:spcPts val="0"/>
+              </a:spcAft>
+              <a:buNone/>
+            </a:pPr>
+            <a:endParaRPr lang="en-US" sz="2200" dirty="0">
+              <a:effectLst/>
+              <a:latin typeface="Calibri" panose="020F0502020204030204" pitchFamily="34" charset="0"/>
+              <a:ea typeface="Calibri" panose="020F0502020204030204" pitchFamily="34" charset="0"/>
+              <a:cs typeface="Times New Roman" panose="02020603050405020304" pitchFamily="18" charset="0"/>
+            </a:endParaRPr>
+          </a:p>
           <a:p>
             <a:pPr marL="342900" marR="0" lvl="0" indent="-342900">
               <a:lnSpc>
@@ -4741,7 +4630,7 @@
                 <a:ea typeface="Calibri" panose="020F0502020204030204" pitchFamily="34" charset="0"/>
                 <a:cs typeface="Calibri-Bold"/>
               </a:rPr>
-              <a:t>Determine the p and q values: </a:t>
+              <a:t>Fit ARIMA model: </a:t>
             </a:r>
             <a:r>
               <a:rPr lang="en-IN" sz="2200" dirty="0">
@@ -4750,7 +4639,7 @@
                 <a:ea typeface="Calibri" panose="020F0502020204030204" pitchFamily="34" charset="0"/>
                 <a:cs typeface="Calibri" panose="020F0502020204030204" pitchFamily="34" charset="0"/>
               </a:rPr>
-              <a:t>Read the values of p and q from the plots in the previous step.</a:t>
+              <a:t>Using the processed data and parameter values we calculated from the previous steps, fit the ARIMA model.</a:t>
             </a:r>
           </a:p>
           <a:p>
@@ -4794,7 +4683,7 @@
                 <a:ea typeface="Calibri" panose="020F0502020204030204" pitchFamily="34" charset="0"/>
                 <a:cs typeface="Calibri-Bold"/>
               </a:rPr>
-              <a:t>Fit ARIMA model: </a:t>
+              <a:t>Predict values on validation set: </a:t>
             </a:r>
             <a:r>
               <a:rPr lang="en-IN" sz="2200" dirty="0">
@@ -4803,7 +4692,7 @@
                 <a:ea typeface="Calibri" panose="020F0502020204030204" pitchFamily="34" charset="0"/>
                 <a:cs typeface="Calibri" panose="020F0502020204030204" pitchFamily="34" charset="0"/>
               </a:rPr>
-              <a:t>Using the processed data and parameter values we calculated from the previous steps, fit the ARIMA model.</a:t>
+              <a:t>Predict the future values.</a:t>
             </a:r>
           </a:p>
           <a:p>
@@ -4847,7 +4736,7 @@
                 <a:ea typeface="Calibri" panose="020F0502020204030204" pitchFamily="34" charset="0"/>
                 <a:cs typeface="Calibri-Bold"/>
               </a:rPr>
-              <a:t>Predict values on validation set: </a:t>
+              <a:t>Calculate RMSE: </a:t>
             </a:r>
             <a:r>
               <a:rPr lang="en-IN" sz="2200" dirty="0">
@@ -4856,60 +4745,7 @@
                 <a:ea typeface="Calibri" panose="020F0502020204030204" pitchFamily="34" charset="0"/>
                 <a:cs typeface="Calibri" panose="020F0502020204030204" pitchFamily="34" charset="0"/>
               </a:rPr>
-              <a:t>Predict the future values.</a:t>
-            </a:r>
-          </a:p>
-          <a:p>
-            <a:pPr marL="0" marR="0" lvl="0" indent="0">
-              <a:lnSpc>
-                <a:spcPct val="115000"/>
-              </a:lnSpc>
-              <a:spcBef>
-                <a:spcPts val="0"/>
-              </a:spcBef>
-              <a:spcAft>
-                <a:spcPts val="0"/>
-              </a:spcAft>
-              <a:buNone/>
-            </a:pPr>
-            <a:endParaRPr lang="en-US" sz="2200" dirty="0">
-              <a:effectLst/>
-              <a:latin typeface="Calibri" panose="020F0502020204030204" pitchFamily="34" charset="0"/>
-              <a:ea typeface="Calibri" panose="020F0502020204030204" pitchFamily="34" charset="0"/>
-              <a:cs typeface="Times New Roman" panose="02020603050405020304" pitchFamily="18" charset="0"/>
-            </a:endParaRPr>
-          </a:p>
-          <a:p>
-            <a:pPr marL="342900" marR="0" lvl="0" indent="-342900">
-              <a:lnSpc>
-                <a:spcPct val="115000"/>
-              </a:lnSpc>
-              <a:spcBef>
-                <a:spcPts val="0"/>
-              </a:spcBef>
-              <a:spcAft>
-                <a:spcPts val="0"/>
-              </a:spcAft>
-              <a:buFont typeface="Calibri" panose="020F0502020204030204" pitchFamily="34" charset="0"/>
-              <a:buChar char="•"/>
-            </a:pPr>
-            <a:r>
-              <a:rPr lang="en-IN" sz="2200" b="1" dirty="0">
-                <a:effectLst/>
-                <a:latin typeface="Calibri-Bold"/>
-                <a:ea typeface="Calibri" panose="020F0502020204030204" pitchFamily="34" charset="0"/>
-                <a:cs typeface="Calibri-Bold"/>
-              </a:rPr>
-              <a:t>Calculate RMSE: </a:t>
-            </a:r>
-            <a:r>
-              <a:rPr lang="en-IN" sz="2200" dirty="0">
-                <a:effectLst/>
-                <a:latin typeface="Calibri" panose="020F0502020204030204" pitchFamily="34" charset="0"/>
-                <a:ea typeface="Calibri" panose="020F0502020204030204" pitchFamily="34" charset="0"/>
-                <a:cs typeface="Calibri" panose="020F0502020204030204" pitchFamily="34" charset="0"/>
-              </a:rPr>
-              <a:t>To check the performance of the model, check the RMSE value using the predictions and actual values on the validation set</a:t>
+              <a:t>To check the performance of the model, check the RMSE value using the predictions and actual values on the validation set.</a:t>
             </a:r>
             <a:endParaRPr lang="en-US" sz="2200" dirty="0">
               <a:effectLst/>
@@ -4933,13 +4769,913 @@
   <p:clrMapOvr>
     <a:masterClrMapping/>
   </p:clrMapOvr>
-  <p:transition spd="slow">
-    <p:push dir="r"/>
-  </p:transition>
+</p:sld>
+</file>
+
+<file path=ppt/slides/slide13.xml><?xml version="1.0" encoding="utf-8"?>
+<p:sld xmlns:a="http://schemas.openxmlformats.org/drawingml/2006/main" xmlns:r="http://schemas.openxmlformats.org/officeDocument/2006/relationships" xmlns:p="http://schemas.openxmlformats.org/presentationml/2006/main">
+  <p:cSld>
+    <p:bg>
+      <p:bgPr>
+        <a:solidFill>
+          <a:schemeClr val="bg2">
+            <a:lumMod val="75000"/>
+          </a:schemeClr>
+        </a:solidFill>
+        <a:effectLst/>
+      </p:bgPr>
+    </p:bg>
+    <p:spTree>
+      <p:nvGrpSpPr>
+        <p:cNvPr id="1" name=""/>
+        <p:cNvGrpSpPr/>
+        <p:nvPr/>
+      </p:nvGrpSpPr>
+      <p:grpSpPr>
+        <a:xfrm>
+          <a:off x="0" y="0"/>
+          <a:ext cx="0" cy="0"/>
+          <a:chOff x="0" y="0"/>
+          <a:chExt cx="0" cy="0"/>
+        </a:xfrm>
+      </p:grpSpPr>
+      <p:sp>
+        <p:nvSpPr>
+          <p:cNvPr id="2" name="Title 1">
+            <a:extLst>
+              <a:ext uri="{FF2B5EF4-FFF2-40B4-BE49-F238E27FC236}">
+                <a16:creationId xmlns:a16="http://schemas.microsoft.com/office/drawing/2014/main" id="{761AAD2E-16EA-4B8E-B816-2ED37EBA7189}"/>
+              </a:ext>
+            </a:extLst>
+          </p:cNvPr>
+          <p:cNvSpPr>
+            <a:spLocks noGrp="1"/>
+          </p:cNvSpPr>
+          <p:nvPr>
+            <p:ph type="title"/>
+          </p:nvPr>
+        </p:nvSpPr>
+        <p:spPr/>
+        <p:txBody>
+          <a:bodyPr/>
+          <a:lstStyle/>
+          <a:p>
+            <a:r>
+              <a:rPr lang="en-US" dirty="0"/>
+              <a:t>Base Paper 1</a:t>
+            </a:r>
+          </a:p>
+        </p:txBody>
+      </p:sp>
+      <p:sp>
+        <p:nvSpPr>
+          <p:cNvPr id="3" name="Content Placeholder 2">
+            <a:extLst>
+              <a:ext uri="{FF2B5EF4-FFF2-40B4-BE49-F238E27FC236}">
+                <a16:creationId xmlns:a16="http://schemas.microsoft.com/office/drawing/2014/main" id="{9592DA60-4C0D-42E2-A18C-5C54F8B86181}"/>
+              </a:ext>
+            </a:extLst>
+          </p:cNvPr>
+          <p:cNvSpPr>
+            <a:spLocks noGrp="1"/>
+          </p:cNvSpPr>
+          <p:nvPr>
+            <p:ph idx="1"/>
+          </p:nvPr>
+        </p:nvSpPr>
+        <p:spPr>
+          <a:xfrm>
+            <a:off x="1371600" y="1814287"/>
+            <a:ext cx="10241280" cy="4818742"/>
+          </a:xfrm>
+        </p:spPr>
+        <p:txBody>
+          <a:bodyPr>
+            <a:normAutofit fontScale="92500"/>
+          </a:bodyPr>
+          <a:lstStyle/>
+          <a:p>
+            <a:r>
+              <a:rPr lang="en-US" sz="2400" dirty="0">
+                <a:solidFill>
+                  <a:schemeClr val="tx1"/>
+                </a:solidFill>
+                <a:effectLst/>
+                <a:latin typeface="Calibri" panose="020F0502020204030204" pitchFamily="34" charset="0"/>
+                <a:ea typeface="Calibri" panose="020F0502020204030204" pitchFamily="34" charset="0"/>
+                <a:cs typeface="Times New Roman" panose="02020603050405020304" pitchFamily="18" charset="0"/>
+              </a:rPr>
+              <a:t>The </a:t>
+            </a:r>
+            <a:r>
+              <a:rPr lang="en-US" sz="2800" dirty="0">
+                <a:solidFill>
+                  <a:schemeClr val="tx1"/>
+                </a:solidFill>
+                <a:effectLst/>
+                <a:latin typeface="Calibri" panose="020F0502020204030204" pitchFamily="34" charset="0"/>
+                <a:ea typeface="Calibri" panose="020F0502020204030204" pitchFamily="34" charset="0"/>
+                <a:cs typeface="Times New Roman" panose="02020603050405020304" pitchFamily="18" charset="0"/>
+              </a:rPr>
+              <a:t>“</a:t>
+            </a:r>
+            <a:r>
+              <a:rPr lang="en-US" sz="2800" b="1" i="0" dirty="0">
+                <a:solidFill>
+                  <a:schemeClr val="tx1"/>
+                </a:solidFill>
+                <a:effectLst/>
+                <a:latin typeface="Times New Roman" panose="02020603050405020304" pitchFamily="18" charset="0"/>
+                <a:cs typeface="Times New Roman" panose="02020603050405020304" pitchFamily="18" charset="0"/>
+              </a:rPr>
+              <a:t>Forecasting of demand using ARIMA mode</a:t>
+            </a:r>
+            <a:r>
+              <a:rPr lang="en-US" sz="2800" b="1" i="0" dirty="0">
+                <a:solidFill>
+                  <a:schemeClr val="tx1"/>
+                </a:solidFill>
+                <a:effectLst/>
+                <a:latin typeface="Roboto" panose="02000000000000000000" pitchFamily="2" charset="0"/>
+              </a:rPr>
+              <a:t>l</a:t>
+            </a:r>
+            <a:r>
+              <a:rPr lang="en-US" sz="2800" b="0" i="0" dirty="0">
+                <a:solidFill>
+                  <a:schemeClr val="tx1"/>
+                </a:solidFill>
+                <a:effectLst/>
+                <a:latin typeface="Roboto" panose="02000000000000000000" pitchFamily="2" charset="0"/>
+              </a:rPr>
+              <a:t>” </a:t>
+            </a:r>
+            <a:r>
+              <a:rPr lang="en-US" b="0" i="0" dirty="0">
+                <a:solidFill>
+                  <a:schemeClr val="tx1"/>
+                </a:solidFill>
+                <a:effectLst/>
+                <a:latin typeface="Roboto" panose="02000000000000000000" pitchFamily="2" charset="0"/>
+              </a:rPr>
+              <a:t>paper </a:t>
+            </a:r>
+            <a:r>
+              <a:rPr lang="en-US" sz="2400" dirty="0">
+                <a:solidFill>
+                  <a:schemeClr val="tx1"/>
+                </a:solidFill>
+                <a:effectLst/>
+                <a:latin typeface="Calibri" panose="020F0502020204030204" pitchFamily="34" charset="0"/>
+                <a:ea typeface="Calibri" panose="020F0502020204030204" pitchFamily="34" charset="0"/>
+                <a:cs typeface="Times New Roman" panose="02020603050405020304" pitchFamily="18" charset="0"/>
+              </a:rPr>
+              <a:t>used four </a:t>
+            </a:r>
+            <a:r>
+              <a:rPr lang="en-US" sz="2400" dirty="0">
+                <a:solidFill>
+                  <a:schemeClr val="tx1"/>
+                </a:solidFill>
+                <a:effectLst/>
+                <a:latin typeface="Calibri" panose="020F0502020204030204" pitchFamily="34" charset="0"/>
+                <a:ea typeface="Calibri" panose="020F0502020204030204" pitchFamily="34" charset="0"/>
+                <a:cs typeface="Calibri" panose="020F0502020204030204" pitchFamily="34" charset="0"/>
+              </a:rPr>
+              <a:t>parameters namely </a:t>
+            </a:r>
+            <a:r>
+              <a:rPr lang="en-US" sz="2400" b="0" i="0" u="none" strike="noStrike" baseline="0" dirty="0">
+                <a:solidFill>
+                  <a:srgbClr val="000000"/>
+                </a:solidFill>
+                <a:latin typeface="Calibri" panose="020F0502020204030204" pitchFamily="34" charset="0"/>
+                <a:cs typeface="Calibri" panose="020F0502020204030204" pitchFamily="34" charset="0"/>
+              </a:rPr>
+              <a:t>AIC (Akaike’s Information Criterion), and SBC (Schwarz’s Bayesian Criterion)</a:t>
+            </a:r>
+            <a:r>
+              <a:rPr lang="en-US" sz="2400" dirty="0">
+                <a:solidFill>
+                  <a:schemeClr val="tx1"/>
+                </a:solidFill>
+                <a:effectLst/>
+                <a:latin typeface="Calibri" panose="020F0502020204030204" pitchFamily="34" charset="0"/>
+                <a:ea typeface="Calibri" panose="020F0502020204030204" pitchFamily="34" charset="0"/>
+                <a:cs typeface="Calibri" panose="020F0502020204030204" pitchFamily="34" charset="0"/>
+              </a:rPr>
+              <a:t>, variance and maxi-mum likelihood. The data taken is for food company and prediction for its future demand is made</a:t>
+            </a:r>
+            <a:r>
+              <a:rPr lang="en-US" sz="2400" dirty="0">
+                <a:solidFill>
+                  <a:schemeClr val="tx1"/>
+                </a:solidFill>
+                <a:effectLst/>
+                <a:latin typeface="Calibri" panose="020F0502020204030204" pitchFamily="34" charset="0"/>
+                <a:ea typeface="Calibri" panose="020F0502020204030204" pitchFamily="34" charset="0"/>
+                <a:cs typeface="Times New Roman" panose="02020603050405020304" pitchFamily="18" charset="0"/>
+              </a:rPr>
+              <a:t>. </a:t>
+            </a:r>
+          </a:p>
+          <a:p>
+            <a:r>
+              <a:rPr lang="en-US" sz="2400" dirty="0">
+                <a:solidFill>
+                  <a:schemeClr val="tx1"/>
+                </a:solidFill>
+                <a:effectLst/>
+                <a:latin typeface="Calibri" panose="020F0502020204030204" pitchFamily="34" charset="0"/>
+                <a:ea typeface="Calibri" panose="020F0502020204030204" pitchFamily="34" charset="0"/>
+                <a:cs typeface="Times New Roman" panose="02020603050405020304" pitchFamily="18" charset="0"/>
+              </a:rPr>
+              <a:t>They used SPSS time series module and a fast maximum likelihood estimation algorithm The aforementioned algorithms were used to find values of the four parameters for different models like (1,1,1), (1,0,1) etc. On which they have based their predictions. </a:t>
+            </a:r>
+          </a:p>
+          <a:p>
+            <a:r>
+              <a:rPr lang="en-US" sz="2400" dirty="0">
+                <a:solidFill>
+                  <a:schemeClr val="tx1"/>
+                </a:solidFill>
+                <a:effectLst/>
+                <a:latin typeface="Calibri" panose="020F0502020204030204" pitchFamily="34" charset="0"/>
+                <a:ea typeface="Calibri" panose="020F0502020204030204" pitchFamily="34" charset="0"/>
+                <a:cs typeface="Times New Roman" panose="02020603050405020304" pitchFamily="18" charset="0"/>
+              </a:rPr>
+              <a:t>The ARIMA model (1, 0, 1) is selected because all the coefficients are significantly optimized than any other models taken into consideration.</a:t>
+            </a:r>
+          </a:p>
+          <a:p>
+            <a:r>
+              <a:rPr lang="en-US" sz="2400" dirty="0">
+                <a:solidFill>
+                  <a:schemeClr val="tx1"/>
+                </a:solidFill>
+                <a:effectLst/>
+                <a:latin typeface="Calibri" panose="020F0502020204030204" pitchFamily="34" charset="0"/>
+                <a:ea typeface="Calibri" panose="020F0502020204030204" pitchFamily="34" charset="0"/>
+                <a:cs typeface="Times New Roman" panose="02020603050405020304" pitchFamily="18" charset="0"/>
+              </a:rPr>
+              <a:t>The IBM SPSS Forecasting was used to then obtain the prediction based on the best parameters selected which had the best optimized values for the 4 parameters from the list of all permuted values P, D, Q i.e. (1, 0, 1) was selected.</a:t>
+            </a:r>
+          </a:p>
+          <a:p>
+            <a:endParaRPr lang="en-US" dirty="0"/>
+          </a:p>
+        </p:txBody>
+      </p:sp>
+    </p:spTree>
+    <p:extLst>
+      <p:ext uri="{BB962C8B-B14F-4D97-AF65-F5344CB8AC3E}">
+        <p14:creationId xmlns:p14="http://schemas.microsoft.com/office/powerpoint/2010/main" val="3974420606"/>
+      </p:ext>
+    </p:extLst>
+  </p:cSld>
+  <p:clrMapOvr>
+    <a:masterClrMapping/>
+  </p:clrMapOvr>
 </p:sld>
 </file>
 
 <file path=ppt/slides/slide14.xml><?xml version="1.0" encoding="utf-8"?>
+<p:sld xmlns:a="http://schemas.openxmlformats.org/drawingml/2006/main" xmlns:r="http://schemas.openxmlformats.org/officeDocument/2006/relationships" xmlns:p="http://schemas.openxmlformats.org/presentationml/2006/main">
+  <p:cSld>
+    <p:bg>
+      <p:bgPr>
+        <a:solidFill>
+          <a:srgbClr val="EBFAE2"/>
+        </a:solidFill>
+        <a:effectLst/>
+      </p:bgPr>
+    </p:bg>
+    <p:spTree>
+      <p:nvGrpSpPr>
+        <p:cNvPr id="1" name=""/>
+        <p:cNvGrpSpPr/>
+        <p:nvPr/>
+      </p:nvGrpSpPr>
+      <p:grpSpPr>
+        <a:xfrm>
+          <a:off x="0" y="0"/>
+          <a:ext cx="0" cy="0"/>
+          <a:chOff x="0" y="0"/>
+          <a:chExt cx="0" cy="0"/>
+        </a:xfrm>
+      </p:grpSpPr>
+      <p:sp>
+        <p:nvSpPr>
+          <p:cNvPr id="2" name="Title 1">
+            <a:extLst>
+              <a:ext uri="{FF2B5EF4-FFF2-40B4-BE49-F238E27FC236}">
+                <a16:creationId xmlns:a16="http://schemas.microsoft.com/office/drawing/2014/main" id="{DB5F63D1-4BA2-4359-B1E8-1656EE8DDC7E}"/>
+              </a:ext>
+            </a:extLst>
+          </p:cNvPr>
+          <p:cNvSpPr>
+            <a:spLocks noGrp="1"/>
+          </p:cNvSpPr>
+          <p:nvPr>
+            <p:ph type="title"/>
+          </p:nvPr>
+        </p:nvSpPr>
+        <p:spPr/>
+        <p:txBody>
+          <a:bodyPr/>
+          <a:lstStyle/>
+          <a:p>
+            <a:r>
+              <a:rPr lang="en-US" dirty="0"/>
+              <a:t>Base Paper 2 </a:t>
+            </a:r>
+          </a:p>
+        </p:txBody>
+      </p:sp>
+      <p:sp>
+        <p:nvSpPr>
+          <p:cNvPr id="3" name="Content Placeholder 2">
+            <a:extLst>
+              <a:ext uri="{FF2B5EF4-FFF2-40B4-BE49-F238E27FC236}">
+                <a16:creationId xmlns:a16="http://schemas.microsoft.com/office/drawing/2014/main" id="{8FAECBC5-D7D9-4E10-96D4-B4462035DEE7}"/>
+              </a:ext>
+            </a:extLst>
+          </p:cNvPr>
+          <p:cNvSpPr>
+            <a:spLocks noGrp="1"/>
+          </p:cNvSpPr>
+          <p:nvPr>
+            <p:ph idx="1"/>
+          </p:nvPr>
+        </p:nvSpPr>
+        <p:spPr>
+          <a:xfrm>
+            <a:off x="1371600" y="1618343"/>
+            <a:ext cx="9956800" cy="5043714"/>
+          </a:xfrm>
+        </p:spPr>
+        <p:txBody>
+          <a:bodyPr>
+            <a:normAutofit fontScale="92500" lnSpcReduction="10000"/>
+          </a:bodyPr>
+          <a:lstStyle/>
+          <a:p>
+            <a:pPr marL="0" marR="0" indent="0">
+              <a:lnSpc>
+                <a:spcPct val="107000"/>
+              </a:lnSpc>
+              <a:spcBef>
+                <a:spcPts val="0"/>
+              </a:spcBef>
+              <a:spcAft>
+                <a:spcPts val="0"/>
+              </a:spcAft>
+              <a:buNone/>
+            </a:pPr>
+            <a:r>
+              <a:rPr lang="en-US" sz="2200" b="1" i="0" dirty="0">
+                <a:solidFill>
+                  <a:schemeClr val="tx1"/>
+                </a:solidFill>
+                <a:effectLst/>
+                <a:latin typeface="Times New Roman" panose="02020603050405020304" pitchFamily="18" charset="0"/>
+                <a:cs typeface="Times New Roman" panose="02020603050405020304" pitchFamily="18" charset="0"/>
+              </a:rPr>
+              <a:t>ARIMA Model in Predicting Banking Stock Market Data</a:t>
+            </a:r>
+            <a:endParaRPr lang="en-US" sz="2200" b="1" dirty="0">
+              <a:solidFill>
+                <a:schemeClr val="tx1"/>
+              </a:solidFill>
+              <a:effectLst/>
+              <a:latin typeface="Times New Roman" panose="02020603050405020304" pitchFamily="18" charset="0"/>
+              <a:ea typeface="Calibri" panose="020F0502020204030204" pitchFamily="34" charset="0"/>
+              <a:cs typeface="Times New Roman" panose="02020603050405020304" pitchFamily="18" charset="0"/>
+            </a:endParaRPr>
+          </a:p>
+          <a:p>
+            <a:pPr marL="0" marR="0">
+              <a:lnSpc>
+                <a:spcPct val="107000"/>
+              </a:lnSpc>
+              <a:spcBef>
+                <a:spcPts val="0"/>
+              </a:spcBef>
+              <a:spcAft>
+                <a:spcPts val="0"/>
+              </a:spcAft>
+            </a:pPr>
+            <a:endParaRPr lang="en-US" sz="1800" dirty="0">
+              <a:solidFill>
+                <a:schemeClr val="tx1"/>
+              </a:solidFill>
+              <a:effectLst/>
+              <a:latin typeface="Times New Roman" panose="02020603050405020304" pitchFamily="18" charset="0"/>
+              <a:ea typeface="Calibri" panose="020F0502020204030204" pitchFamily="34" charset="0"/>
+              <a:cs typeface="Times New Roman" panose="02020603050405020304" pitchFamily="18" charset="0"/>
+            </a:endParaRPr>
+          </a:p>
+          <a:p>
+            <a:pPr marL="0" marR="0">
+              <a:lnSpc>
+                <a:spcPct val="107000"/>
+              </a:lnSpc>
+              <a:spcBef>
+                <a:spcPts val="0"/>
+              </a:spcBef>
+              <a:spcAft>
+                <a:spcPts val="0"/>
+              </a:spcAft>
+            </a:pPr>
+            <a:r>
+              <a:rPr lang="en-US" sz="1900" dirty="0">
+                <a:solidFill>
+                  <a:schemeClr val="tx1"/>
+                </a:solidFill>
+                <a:effectLst/>
+                <a:latin typeface="Calibri" panose="020F0502020204030204" pitchFamily="34" charset="0"/>
+                <a:ea typeface="Calibri" panose="020F0502020204030204" pitchFamily="34" charset="0"/>
+                <a:cs typeface="Calibri" panose="020F0502020204030204" pitchFamily="34" charset="0"/>
+              </a:rPr>
+              <a:t>For predicting, the ARIMA model was used to banking stock market data in this article. The results are obtained using the MINTAB software. In the period 1993 to 2017, 2000 observations were gathered for each variable from associated databases.</a:t>
+            </a:r>
+          </a:p>
+          <a:p>
+            <a:pPr marL="0" marR="0" indent="0">
+              <a:lnSpc>
+                <a:spcPct val="107000"/>
+              </a:lnSpc>
+              <a:spcBef>
+                <a:spcPts val="0"/>
+              </a:spcBef>
+              <a:spcAft>
+                <a:spcPts val="0"/>
+              </a:spcAft>
+              <a:buNone/>
+            </a:pPr>
+            <a:endParaRPr lang="en-US" sz="1900" dirty="0">
+              <a:solidFill>
+                <a:schemeClr val="tx1"/>
+              </a:solidFill>
+              <a:effectLst/>
+              <a:latin typeface="Calibri" panose="020F0502020204030204" pitchFamily="34" charset="0"/>
+              <a:ea typeface="Calibri" panose="020F0502020204030204" pitchFamily="34" charset="0"/>
+              <a:cs typeface="Calibri" panose="020F0502020204030204" pitchFamily="34" charset="0"/>
+            </a:endParaRPr>
+          </a:p>
+          <a:p>
+            <a:pPr marL="0" marR="0">
+              <a:lnSpc>
+                <a:spcPct val="107000"/>
+              </a:lnSpc>
+              <a:spcBef>
+                <a:spcPts val="0"/>
+              </a:spcBef>
+              <a:spcAft>
+                <a:spcPts val="0"/>
+              </a:spcAft>
+            </a:pPr>
+            <a:r>
+              <a:rPr lang="en-US" sz="1900" dirty="0">
+                <a:solidFill>
+                  <a:schemeClr val="tx1"/>
+                </a:solidFill>
+                <a:effectLst/>
+                <a:latin typeface="Calibri" panose="020F0502020204030204" pitchFamily="34" charset="0"/>
+                <a:ea typeface="Calibri" panose="020F0502020204030204" pitchFamily="34" charset="0"/>
+                <a:cs typeface="Calibri" panose="020F0502020204030204" pitchFamily="34" charset="0"/>
+              </a:rPr>
+              <a:t>Because several ARIMA models can be created for one column of data using different values of p, d, and q, RMSE is chosen as a criterion for finding the fitting ARIMA model. As a result, the fitted ARIMA model has a lower RMSE.</a:t>
+            </a:r>
+          </a:p>
+          <a:p>
+            <a:pPr marL="0" marR="0" indent="0">
+              <a:lnSpc>
+                <a:spcPct val="107000"/>
+              </a:lnSpc>
+              <a:spcBef>
+                <a:spcPts val="0"/>
+              </a:spcBef>
+              <a:spcAft>
+                <a:spcPts val="0"/>
+              </a:spcAft>
+              <a:buNone/>
+            </a:pPr>
+            <a:endParaRPr lang="en-US" sz="1900" dirty="0">
+              <a:solidFill>
+                <a:schemeClr val="tx1"/>
+              </a:solidFill>
+              <a:effectLst/>
+              <a:latin typeface="Calibri" panose="020F0502020204030204" pitchFamily="34" charset="0"/>
+              <a:ea typeface="Calibri" panose="020F0502020204030204" pitchFamily="34" charset="0"/>
+              <a:cs typeface="Calibri" panose="020F0502020204030204" pitchFamily="34" charset="0"/>
+            </a:endParaRPr>
+          </a:p>
+          <a:p>
+            <a:pPr marL="0" marR="0">
+              <a:lnSpc>
+                <a:spcPct val="107000"/>
+              </a:lnSpc>
+              <a:spcBef>
+                <a:spcPts val="0"/>
+              </a:spcBef>
+              <a:spcAft>
+                <a:spcPts val="0"/>
+              </a:spcAft>
+            </a:pPr>
+            <a:r>
+              <a:rPr lang="en-US" sz="1900" dirty="0">
+                <a:solidFill>
+                  <a:schemeClr val="tx1"/>
+                </a:solidFill>
+                <a:effectLst/>
+                <a:latin typeface="Calibri" panose="020F0502020204030204" pitchFamily="34" charset="0"/>
+                <a:ea typeface="Calibri" panose="020F0502020204030204" pitchFamily="34" charset="0"/>
+                <a:cs typeface="Calibri" panose="020F0502020204030204" pitchFamily="34" charset="0"/>
+              </a:rPr>
+              <a:t>They have concluded on these observations:</a:t>
+            </a:r>
+          </a:p>
+          <a:p>
+            <a:pPr marL="0" marR="0" indent="0">
+              <a:lnSpc>
+                <a:spcPct val="107000"/>
+              </a:lnSpc>
+              <a:spcBef>
+                <a:spcPts val="0"/>
+              </a:spcBef>
+              <a:spcAft>
+                <a:spcPts val="0"/>
+              </a:spcAft>
+              <a:buNone/>
+            </a:pPr>
+            <a:endParaRPr lang="en-US" sz="1900" dirty="0">
+              <a:solidFill>
+                <a:schemeClr val="tx1"/>
+              </a:solidFill>
+              <a:effectLst/>
+              <a:latin typeface="Calibri" panose="020F0502020204030204" pitchFamily="34" charset="0"/>
+              <a:ea typeface="Calibri" panose="020F0502020204030204" pitchFamily="34" charset="0"/>
+              <a:cs typeface="Calibri" panose="020F0502020204030204" pitchFamily="34" charset="0"/>
+            </a:endParaRPr>
+          </a:p>
+          <a:p>
+            <a:pPr marL="0" marR="0" indent="0">
+              <a:lnSpc>
+                <a:spcPct val="107000"/>
+              </a:lnSpc>
+              <a:spcBef>
+                <a:spcPts val="0"/>
+              </a:spcBef>
+              <a:spcAft>
+                <a:spcPts val="0"/>
+              </a:spcAft>
+              <a:buNone/>
+            </a:pPr>
+            <a:r>
+              <a:rPr lang="en-US" sz="1900" dirty="0">
+                <a:solidFill>
+                  <a:schemeClr val="tx1"/>
+                </a:solidFill>
+                <a:effectLst/>
+                <a:latin typeface="Calibri" panose="020F0502020204030204" pitchFamily="34" charset="0"/>
+                <a:ea typeface="Calibri" panose="020F0502020204030204" pitchFamily="34" charset="0"/>
+                <a:cs typeface="Calibri" panose="020F0502020204030204" pitchFamily="34" charset="0"/>
+              </a:rPr>
+              <a:t>1) The values of p, d, and q are between 0 and 2 solely because these values cannot be negative, and they should not be greater than 2 otherwise the parameter estimation will be useless.</a:t>
+            </a:r>
+          </a:p>
+          <a:p>
+            <a:pPr marL="0" marR="0" indent="0">
+              <a:lnSpc>
+                <a:spcPct val="107000"/>
+              </a:lnSpc>
+              <a:spcBef>
+                <a:spcPts val="0"/>
+              </a:spcBef>
+              <a:spcAft>
+                <a:spcPts val="0"/>
+              </a:spcAft>
+              <a:buNone/>
+            </a:pPr>
+            <a:r>
+              <a:rPr lang="en-US" sz="1900" dirty="0">
+                <a:solidFill>
+                  <a:schemeClr val="tx1"/>
+                </a:solidFill>
+                <a:effectLst/>
+                <a:latin typeface="Calibri" panose="020F0502020204030204" pitchFamily="34" charset="0"/>
+                <a:ea typeface="Calibri" panose="020F0502020204030204" pitchFamily="34" charset="0"/>
+                <a:cs typeface="Calibri" panose="020F0502020204030204" pitchFamily="34" charset="0"/>
+              </a:rPr>
+              <a:t>2) The RMSE is set between 4.00 and 5.00 depending on the dataset. As a result, after utilizing the program to construct the dataset, ARIMA (1,1,2) was found to be the best with an RMSE of 1.4.</a:t>
+            </a:r>
+          </a:p>
+          <a:p>
+            <a:pPr marL="0" marR="0" indent="0">
+              <a:lnSpc>
+                <a:spcPct val="107000"/>
+              </a:lnSpc>
+              <a:spcBef>
+                <a:spcPts val="0"/>
+              </a:spcBef>
+              <a:spcAft>
+                <a:spcPts val="0"/>
+              </a:spcAft>
+              <a:buNone/>
+            </a:pPr>
+            <a:r>
+              <a:rPr lang="en-US" sz="1900" dirty="0">
+                <a:solidFill>
+                  <a:schemeClr val="tx1"/>
+                </a:solidFill>
+                <a:effectLst/>
+                <a:latin typeface="Calibri" panose="020F0502020204030204" pitchFamily="34" charset="0"/>
+                <a:ea typeface="Calibri" panose="020F0502020204030204" pitchFamily="34" charset="0"/>
+                <a:cs typeface="Calibri" panose="020F0502020204030204" pitchFamily="34" charset="0"/>
+              </a:rPr>
+              <a:t>3) In some circumstances, the ARIMA model is not fitted, indicating that the dataset cannot be estimated, and this should be discarded.</a:t>
+            </a:r>
+          </a:p>
+        </p:txBody>
+      </p:sp>
+    </p:spTree>
+    <p:extLst>
+      <p:ext uri="{BB962C8B-B14F-4D97-AF65-F5344CB8AC3E}">
+        <p14:creationId xmlns:p14="http://schemas.microsoft.com/office/powerpoint/2010/main" val="4033907528"/>
+      </p:ext>
+    </p:extLst>
+  </p:cSld>
+  <p:clrMapOvr>
+    <a:masterClrMapping/>
+  </p:clrMapOvr>
+</p:sld>
+</file>
+
+<file path=ppt/slides/slide15.xml><?xml version="1.0" encoding="utf-8"?>
+<p:sld xmlns:a="http://schemas.openxmlformats.org/drawingml/2006/main" xmlns:r="http://schemas.openxmlformats.org/officeDocument/2006/relationships" xmlns:p="http://schemas.openxmlformats.org/presentationml/2006/main">
+  <p:cSld>
+    <p:bg>
+      <p:bgPr>
+        <a:solidFill>
+          <a:schemeClr val="accent6">
+            <a:lumMod val="40000"/>
+            <a:lumOff val="60000"/>
+          </a:schemeClr>
+        </a:solidFill>
+        <a:effectLst/>
+      </p:bgPr>
+    </p:bg>
+    <p:spTree>
+      <p:nvGrpSpPr>
+        <p:cNvPr id="1" name=""/>
+        <p:cNvGrpSpPr/>
+        <p:nvPr/>
+      </p:nvGrpSpPr>
+      <p:grpSpPr>
+        <a:xfrm>
+          <a:off x="0" y="0"/>
+          <a:ext cx="0" cy="0"/>
+          <a:chOff x="0" y="0"/>
+          <a:chExt cx="0" cy="0"/>
+        </a:xfrm>
+      </p:grpSpPr>
+      <p:sp>
+        <p:nvSpPr>
+          <p:cNvPr id="2" name="Title 1">
+            <a:extLst>
+              <a:ext uri="{FF2B5EF4-FFF2-40B4-BE49-F238E27FC236}">
+                <a16:creationId xmlns:a16="http://schemas.microsoft.com/office/drawing/2014/main" id="{D1AFAD39-3A8E-4AC3-90D7-CCF0A4F2F631}"/>
+              </a:ext>
+            </a:extLst>
+          </p:cNvPr>
+          <p:cNvSpPr>
+            <a:spLocks noGrp="1"/>
+          </p:cNvSpPr>
+          <p:nvPr>
+            <p:ph type="title"/>
+          </p:nvPr>
+        </p:nvSpPr>
+        <p:spPr/>
+        <p:txBody>
+          <a:bodyPr/>
+          <a:lstStyle/>
+          <a:p>
+            <a:r>
+              <a:rPr lang="en-US" dirty="0"/>
+              <a:t>Limitations</a:t>
+            </a:r>
+          </a:p>
+        </p:txBody>
+      </p:sp>
+      <p:sp>
+        <p:nvSpPr>
+          <p:cNvPr id="3" name="Content Placeholder 2">
+            <a:extLst>
+              <a:ext uri="{FF2B5EF4-FFF2-40B4-BE49-F238E27FC236}">
+                <a16:creationId xmlns:a16="http://schemas.microsoft.com/office/drawing/2014/main" id="{3465A8CD-3EC1-4C24-B92F-8C9C30AD0355}"/>
+              </a:ext>
+            </a:extLst>
+          </p:cNvPr>
+          <p:cNvSpPr>
+            <a:spLocks noGrp="1"/>
+          </p:cNvSpPr>
+          <p:nvPr>
+            <p:ph idx="1"/>
+          </p:nvPr>
+        </p:nvSpPr>
+        <p:spPr/>
+        <p:txBody>
+          <a:bodyPr>
+            <a:normAutofit/>
+          </a:bodyPr>
+          <a:lstStyle/>
+          <a:p>
+            <a:r>
+              <a:rPr lang="en-US" sz="2400" dirty="0"/>
+              <a:t>Only linear predictions are cultivated.</a:t>
+            </a:r>
+          </a:p>
+          <a:p>
+            <a:r>
+              <a:rPr lang="en-US" sz="2400" dirty="0"/>
+              <a:t>This method can be applied and suitable for cases of the high-technology market especially for the banks since it gives a significant indicator for the future but is inefficient for not so tightly bounded time series data.</a:t>
+            </a:r>
+          </a:p>
+          <a:p>
+            <a:r>
+              <a:rPr lang="en-US" sz="2400" dirty="0"/>
+              <a:t>There are many factors for different types of datasets to be considered which if taken wrongly may result a varied unrelated misleading output/prediction.</a:t>
+            </a:r>
+          </a:p>
+        </p:txBody>
+      </p:sp>
+    </p:spTree>
+    <p:extLst>
+      <p:ext uri="{BB962C8B-B14F-4D97-AF65-F5344CB8AC3E}">
+        <p14:creationId xmlns:p14="http://schemas.microsoft.com/office/powerpoint/2010/main" val="1027308411"/>
+      </p:ext>
+    </p:extLst>
+  </p:cSld>
+  <p:clrMapOvr>
+    <a:masterClrMapping/>
+  </p:clrMapOvr>
+</p:sld>
+</file>
+
+<file path=ppt/slides/slide16.xml><?xml version="1.0" encoding="utf-8"?>
+<p:sld xmlns:a="http://schemas.openxmlformats.org/drawingml/2006/main" xmlns:r="http://schemas.openxmlformats.org/officeDocument/2006/relationships" xmlns:p="http://schemas.openxmlformats.org/presentationml/2006/main">
+  <p:cSld>
+    <p:bg>
+      <p:bgPr>
+        <a:solidFill>
+          <a:srgbClr val="D1DAF7"/>
+        </a:solidFill>
+        <a:effectLst/>
+      </p:bgPr>
+    </p:bg>
+    <p:spTree>
+      <p:nvGrpSpPr>
+        <p:cNvPr id="1" name=""/>
+        <p:cNvGrpSpPr/>
+        <p:nvPr/>
+      </p:nvGrpSpPr>
+      <p:grpSpPr>
+        <a:xfrm>
+          <a:off x="0" y="0"/>
+          <a:ext cx="0" cy="0"/>
+          <a:chOff x="0" y="0"/>
+          <a:chExt cx="0" cy="0"/>
+        </a:xfrm>
+      </p:grpSpPr>
+      <p:sp>
+        <p:nvSpPr>
+          <p:cNvPr id="2" name="Title 1">
+            <a:extLst>
+              <a:ext uri="{FF2B5EF4-FFF2-40B4-BE49-F238E27FC236}">
+                <a16:creationId xmlns:a16="http://schemas.microsoft.com/office/drawing/2014/main" id="{A4A751AA-3D74-424A-B9D7-896E0DF3A58D}"/>
+              </a:ext>
+            </a:extLst>
+          </p:cNvPr>
+          <p:cNvSpPr>
+            <a:spLocks noGrp="1"/>
+          </p:cNvSpPr>
+          <p:nvPr>
+            <p:ph type="title"/>
+          </p:nvPr>
+        </p:nvSpPr>
+        <p:spPr/>
+        <p:txBody>
+          <a:bodyPr/>
+          <a:lstStyle/>
+          <a:p>
+            <a:r>
+              <a:rPr lang="en-US" dirty="0"/>
+              <a:t>Future scope</a:t>
+            </a:r>
+          </a:p>
+        </p:txBody>
+      </p:sp>
+      <p:sp>
+        <p:nvSpPr>
+          <p:cNvPr id="3" name="Content Placeholder 2">
+            <a:extLst>
+              <a:ext uri="{FF2B5EF4-FFF2-40B4-BE49-F238E27FC236}">
+                <a16:creationId xmlns:a16="http://schemas.microsoft.com/office/drawing/2014/main" id="{9A9EDD4D-FADD-4B3A-A003-393535D7C721}"/>
+              </a:ext>
+            </a:extLst>
+          </p:cNvPr>
+          <p:cNvSpPr>
+            <a:spLocks noGrp="1"/>
+          </p:cNvSpPr>
+          <p:nvPr>
+            <p:ph idx="1"/>
+          </p:nvPr>
+        </p:nvSpPr>
+        <p:spPr>
+          <a:xfrm>
+            <a:off x="1371600" y="1778000"/>
+            <a:ext cx="9601200" cy="4709886"/>
+          </a:xfrm>
+        </p:spPr>
+        <p:txBody>
+          <a:bodyPr>
+            <a:normAutofit lnSpcReduction="10000"/>
+          </a:bodyPr>
+          <a:lstStyle/>
+          <a:p>
+            <a:r>
+              <a:rPr lang="en-US" sz="2400" dirty="0">
+                <a:solidFill>
+                  <a:srgbClr val="000000"/>
+                </a:solidFill>
+                <a:effectLst/>
+                <a:latin typeface="Calibri" panose="020F0502020204030204" pitchFamily="34" charset="0"/>
+                <a:ea typeface="Calibri" panose="020F0502020204030204" pitchFamily="34" charset="0"/>
+                <a:cs typeface="Times New Roman" panose="02020603050405020304" pitchFamily="18" charset="0"/>
+              </a:rPr>
+              <a:t>This strategy can be used and is appropriate for high-tech market scenarios, particularly for banks, because it provides a substantial indicator for the future. </a:t>
+            </a:r>
+          </a:p>
+          <a:p>
+            <a:r>
+              <a:rPr lang="en-US" sz="2400" dirty="0">
+                <a:solidFill>
+                  <a:srgbClr val="000000"/>
+                </a:solidFill>
+                <a:effectLst/>
+                <a:latin typeface="Calibri" panose="020F0502020204030204" pitchFamily="34" charset="0"/>
+                <a:ea typeface="Calibri" panose="020F0502020204030204" pitchFamily="34" charset="0"/>
+                <a:cs typeface="Times New Roman" panose="02020603050405020304" pitchFamily="18" charset="0"/>
+              </a:rPr>
+              <a:t>The approach was designed for short-term forecasting and is not suitable for long-term forecasting.</a:t>
+            </a:r>
+          </a:p>
+          <a:p>
+            <a:r>
+              <a:rPr lang="en-US" sz="2400" dirty="0">
+                <a:solidFill>
+                  <a:srgbClr val="000000"/>
+                </a:solidFill>
+                <a:effectLst/>
+                <a:latin typeface="Calibri" panose="020F0502020204030204" pitchFamily="34" charset="0"/>
+                <a:ea typeface="Calibri" panose="020F0502020204030204" pitchFamily="34" charset="0"/>
+                <a:cs typeface="Times New Roman" panose="02020603050405020304" pitchFamily="18" charset="0"/>
+              </a:rPr>
+              <a:t>Other forecast horizons for stock market data, such as industrial data, can be investigated in the future. Creating new models that combine qualitative and quantitative methodologies to generate accurate forecasts and improve forecast accuracy in the future. </a:t>
+            </a:r>
+          </a:p>
+          <a:p>
+            <a:r>
+              <a:rPr lang="en-US" sz="2400" dirty="0">
+                <a:solidFill>
+                  <a:srgbClr val="000000"/>
+                </a:solidFill>
+                <a:effectLst/>
+                <a:latin typeface="Calibri" panose="020F0502020204030204" pitchFamily="34" charset="0"/>
+                <a:ea typeface="Calibri" panose="020F0502020204030204" pitchFamily="34" charset="0"/>
+                <a:cs typeface="Times New Roman" panose="02020603050405020304" pitchFamily="18" charset="0"/>
+              </a:rPr>
+              <a:t>Testing it with a neural network technique and compare it to ARIMA's results to see if the ANN's power in future prediction can be confirmed. In addition, creating an ARIMA-radial basis function (RBF) combination can help achieve high accuracy.</a:t>
+            </a:r>
+            <a:endParaRPr lang="en-US" sz="2800" dirty="0"/>
+          </a:p>
+        </p:txBody>
+      </p:sp>
+    </p:spTree>
+    <p:extLst>
+      <p:ext uri="{BB962C8B-B14F-4D97-AF65-F5344CB8AC3E}">
+        <p14:creationId xmlns:p14="http://schemas.microsoft.com/office/powerpoint/2010/main" val="3892886799"/>
+      </p:ext>
+    </p:extLst>
+  </p:cSld>
+  <p:clrMapOvr>
+    <a:masterClrMapping/>
+  </p:clrMapOvr>
+</p:sld>
+</file>
+
+<file path=ppt/slides/slide17.xml><?xml version="1.0" encoding="utf-8"?>
 <p:sld xmlns:a="http://schemas.openxmlformats.org/drawingml/2006/main" xmlns:r="http://schemas.openxmlformats.org/officeDocument/2006/relationships" xmlns:p="http://schemas.openxmlformats.org/presentationml/2006/main">
   <p:cSld>
     <p:spTree>
@@ -4958,1043 +5694,6 @@
       </p:grpSpPr>
       <p:sp>
         <p:nvSpPr>
-          <p:cNvPr id="2" name="Title 1">
-            <a:extLst>
-              <a:ext uri="{FF2B5EF4-FFF2-40B4-BE49-F238E27FC236}">
-                <a16:creationId xmlns:a16="http://schemas.microsoft.com/office/drawing/2014/main" id="{7ECE8764-3754-4511-9353-9A49E8BF873B}"/>
-              </a:ext>
-            </a:extLst>
-          </p:cNvPr>
-          <p:cNvSpPr>
-            <a:spLocks noGrp="1"/>
-          </p:cNvSpPr>
-          <p:nvPr>
-            <p:ph type="title"/>
-          </p:nvPr>
-        </p:nvSpPr>
-        <p:spPr>
-          <a:xfrm>
-            <a:off x="1371600" y="412812"/>
-            <a:ext cx="9601200" cy="1485900"/>
-          </a:xfrm>
-        </p:spPr>
-        <p:txBody>
-          <a:bodyPr/>
-          <a:lstStyle/>
-          <a:p>
-            <a:r>
-              <a:rPr lang="en-US" dirty="0"/>
-              <a:t>References</a:t>
-            </a:r>
-            <a:endParaRPr lang="en-IN" dirty="0"/>
-          </a:p>
-        </p:txBody>
-      </p:sp>
-      <p:sp>
-        <p:nvSpPr>
-          <p:cNvPr id="3" name="Content Placeholder 2">
-            <a:extLst>
-              <a:ext uri="{FF2B5EF4-FFF2-40B4-BE49-F238E27FC236}">
-                <a16:creationId xmlns:a16="http://schemas.microsoft.com/office/drawing/2014/main" id="{064AF32C-DEA8-4DB2-AD57-85CC8D704F75}"/>
-              </a:ext>
-            </a:extLst>
-          </p:cNvPr>
-          <p:cNvSpPr>
-            <a:spLocks noGrp="1"/>
-          </p:cNvSpPr>
-          <p:nvPr>
-            <p:ph idx="1"/>
-          </p:nvPr>
-        </p:nvSpPr>
-        <p:spPr>
-          <a:xfrm>
-            <a:off x="1371600" y="1561360"/>
-            <a:ext cx="9601200" cy="5221180"/>
-          </a:xfrm>
-        </p:spPr>
-        <p:txBody>
-          <a:bodyPr>
-            <a:normAutofit/>
-          </a:bodyPr>
-          <a:lstStyle/>
-          <a:p>
-            <a:pPr>
-              <a:lnSpc>
-                <a:spcPct val="107000"/>
-              </a:lnSpc>
-            </a:pPr>
-            <a:r>
-              <a:rPr lang="en-US" sz="1600" dirty="0">
-                <a:effectLst/>
-                <a:latin typeface="Times New Roman" panose="02020603050405020304" pitchFamily="18" charset="0"/>
-                <a:ea typeface="Calibri" panose="020F0502020204030204" pitchFamily="34" charset="0"/>
-                <a:cs typeface="Times New Roman" panose="02020603050405020304" pitchFamily="18" charset="0"/>
-              </a:rPr>
-              <a:t>Time-Series Forecasting: Predicting Stock Prices Using An ARIMA model </a:t>
-            </a:r>
-            <a:r>
-              <a:rPr lang="en-US" sz="1600" u="sng" dirty="0">
-                <a:solidFill>
-                  <a:srgbClr val="0000FF"/>
-                </a:solidFill>
-                <a:effectLst/>
-                <a:latin typeface="Times New Roman" panose="02020603050405020304" pitchFamily="18" charset="0"/>
-                <a:ea typeface="Calibri" panose="020F0502020204030204" pitchFamily="34" charset="0"/>
-                <a:cs typeface="Times New Roman" panose="02020603050405020304" pitchFamily="18" charset="0"/>
-                <a:hlinkClick r:id="rId2"/>
-              </a:rPr>
-              <a:t> </a:t>
-            </a:r>
-            <a:r>
-              <a:rPr lang="en-US" sz="1600" u="sng" dirty="0" err="1">
-                <a:solidFill>
-                  <a:srgbClr val="0000FF"/>
-                </a:solidFill>
-                <a:effectLst/>
-                <a:latin typeface="Times New Roman" panose="02020603050405020304" pitchFamily="18" charset="0"/>
-                <a:ea typeface="Calibri" panose="020F0502020204030204" pitchFamily="34" charset="0"/>
-                <a:cs typeface="Times New Roman" panose="02020603050405020304" pitchFamily="18" charset="0"/>
-                <a:hlinkClick r:id="rId2"/>
-              </a:rPr>
-              <a:t>Serafeim</a:t>
-            </a:r>
-            <a:r>
-              <a:rPr lang="en-US" sz="1600" u="sng" dirty="0">
-                <a:solidFill>
-                  <a:srgbClr val="0000FF"/>
-                </a:solidFill>
-                <a:effectLst/>
-                <a:latin typeface="Times New Roman" panose="02020603050405020304" pitchFamily="18" charset="0"/>
-                <a:ea typeface="Calibri" panose="020F0502020204030204" pitchFamily="34" charset="0"/>
-                <a:cs typeface="Times New Roman" panose="02020603050405020304" pitchFamily="18" charset="0"/>
-                <a:hlinkClick r:id="rId2"/>
-              </a:rPr>
-              <a:t> Loukas</a:t>
-            </a:r>
-            <a:r>
-              <a:rPr lang="en-US" sz="1600" dirty="0">
-                <a:effectLst/>
-                <a:latin typeface="Times New Roman" panose="02020603050405020304" pitchFamily="18" charset="0"/>
-                <a:ea typeface="Calibri" panose="020F0502020204030204" pitchFamily="34" charset="0"/>
-                <a:cs typeface="Times New Roman" panose="02020603050405020304" pitchFamily="18" charset="0"/>
-              </a:rPr>
-              <a:t>  </a:t>
-            </a:r>
-            <a:r>
-              <a:rPr lang="en-US" sz="1600" u="sng" dirty="0">
-                <a:solidFill>
-                  <a:srgbClr val="0000FF"/>
-                </a:solidFill>
-                <a:effectLst/>
-                <a:latin typeface="Times New Roman" panose="02020603050405020304" pitchFamily="18" charset="0"/>
-                <a:ea typeface="Calibri" panose="020F0502020204030204" pitchFamily="34" charset="0"/>
-                <a:cs typeface="Times New Roman" panose="02020603050405020304" pitchFamily="18" charset="0"/>
-                <a:hlinkClick r:id="rId3"/>
-              </a:rPr>
-              <a:t>Jul 23, 2020</a:t>
-            </a:r>
-            <a:endParaRPr lang="en-IN" sz="1600" dirty="0">
-              <a:effectLst/>
-              <a:latin typeface="Calibri" panose="020F0502020204030204" pitchFamily="34" charset="0"/>
-              <a:ea typeface="Calibri" panose="020F0502020204030204" pitchFamily="34" charset="0"/>
-              <a:cs typeface="Times New Roman" panose="02020603050405020304" pitchFamily="18" charset="0"/>
-            </a:endParaRPr>
-          </a:p>
-          <a:p>
-            <a:pPr>
-              <a:lnSpc>
-                <a:spcPct val="107000"/>
-              </a:lnSpc>
-            </a:pPr>
-            <a:r>
-              <a:rPr lang="en-US" sz="1600" dirty="0">
-                <a:effectLst/>
-                <a:latin typeface="Calibri" panose="020F0502020204030204" pitchFamily="34" charset="0"/>
-                <a:ea typeface="Calibri" panose="020F0502020204030204" pitchFamily="34" charset="0"/>
-                <a:cs typeface="Times New Roman" panose="02020603050405020304" pitchFamily="18" charset="0"/>
-              </a:rPr>
-              <a:t>A SURVEY ON ARIMA FORECASTING USING TIME SERIES MODEL    Z. Asha Farhath1 , B. </a:t>
-            </a:r>
-            <a:r>
-              <a:rPr lang="en-US" sz="1600" dirty="0" err="1">
-                <a:effectLst/>
-                <a:latin typeface="Calibri" panose="020F0502020204030204" pitchFamily="34" charset="0"/>
-                <a:ea typeface="Calibri" panose="020F0502020204030204" pitchFamily="34" charset="0"/>
-                <a:cs typeface="Times New Roman" panose="02020603050405020304" pitchFamily="18" charset="0"/>
-              </a:rPr>
-              <a:t>Arputhamary</a:t>
-            </a:r>
-            <a:r>
-              <a:rPr lang="en-US" sz="1600" dirty="0">
-                <a:effectLst/>
-                <a:latin typeface="Calibri" panose="020F0502020204030204" pitchFamily="34" charset="0"/>
-                <a:ea typeface="Calibri" panose="020F0502020204030204" pitchFamily="34" charset="0"/>
-                <a:cs typeface="Times New Roman" panose="02020603050405020304" pitchFamily="18" charset="0"/>
-              </a:rPr>
-              <a:t> 2 , Dr. L. Arockiam3   IJCSMC, Vol. 5, Issue. 8, August 2016, pg.104 – 109</a:t>
-            </a:r>
-            <a:endParaRPr lang="en-IN" sz="1600" dirty="0">
-              <a:effectLst/>
-              <a:latin typeface="Calibri" panose="020F0502020204030204" pitchFamily="34" charset="0"/>
-              <a:ea typeface="Calibri" panose="020F0502020204030204" pitchFamily="34" charset="0"/>
-              <a:cs typeface="Times New Roman" panose="02020603050405020304" pitchFamily="18" charset="0"/>
-            </a:endParaRPr>
-          </a:p>
-          <a:p>
-            <a:pPr>
-              <a:lnSpc>
-                <a:spcPct val="107000"/>
-              </a:lnSpc>
-            </a:pPr>
-            <a:r>
-              <a:rPr lang="en-US" sz="1600" dirty="0">
-                <a:effectLst/>
-                <a:latin typeface="Calibri" panose="020F0502020204030204" pitchFamily="34" charset="0"/>
-                <a:ea typeface="Calibri" panose="020F0502020204030204" pitchFamily="34" charset="0"/>
-                <a:cs typeface="Times New Roman" panose="02020603050405020304" pitchFamily="18" charset="0"/>
-              </a:rPr>
-              <a:t>Time-Series Forecasting: Predicting Stock Prices Using An LSTM Model   </a:t>
-            </a:r>
-            <a:r>
-              <a:rPr lang="en-US" sz="1600" u="sng" dirty="0" err="1">
-                <a:solidFill>
-                  <a:srgbClr val="0000FF"/>
-                </a:solidFill>
-                <a:effectLst/>
-                <a:latin typeface="Calibri" panose="020F0502020204030204" pitchFamily="34" charset="0"/>
-                <a:ea typeface="Calibri" panose="020F0502020204030204" pitchFamily="34" charset="0"/>
-                <a:cs typeface="Times New Roman" panose="02020603050405020304" pitchFamily="18" charset="0"/>
-                <a:hlinkClick r:id="rId4"/>
-              </a:rPr>
-              <a:t>Serafeim</a:t>
-            </a:r>
-            <a:r>
-              <a:rPr lang="en-US" sz="1600" u="sng" dirty="0">
-                <a:solidFill>
-                  <a:srgbClr val="0000FF"/>
-                </a:solidFill>
-                <a:effectLst/>
-                <a:latin typeface="Calibri" panose="020F0502020204030204" pitchFamily="34" charset="0"/>
-                <a:ea typeface="Calibri" panose="020F0502020204030204" pitchFamily="34" charset="0"/>
-                <a:cs typeface="Times New Roman" panose="02020603050405020304" pitchFamily="18" charset="0"/>
-                <a:hlinkClick r:id="rId4"/>
-              </a:rPr>
-              <a:t> Loukas</a:t>
-            </a:r>
-            <a:r>
-              <a:rPr lang="en-US" sz="1600" dirty="0">
-                <a:effectLst/>
-                <a:latin typeface="Calibri" panose="020F0502020204030204" pitchFamily="34" charset="0"/>
-                <a:ea typeface="Calibri" panose="020F0502020204030204" pitchFamily="34" charset="0"/>
-                <a:cs typeface="Times New Roman" panose="02020603050405020304" pitchFamily="18" charset="0"/>
-              </a:rPr>
-              <a:t>  </a:t>
-            </a:r>
-            <a:r>
-              <a:rPr lang="en-US" sz="1600" u="sng" dirty="0">
-                <a:solidFill>
-                  <a:srgbClr val="0000FF"/>
-                </a:solidFill>
-                <a:effectLst/>
-                <a:latin typeface="Calibri" panose="020F0502020204030204" pitchFamily="34" charset="0"/>
-                <a:ea typeface="Calibri" panose="020F0502020204030204" pitchFamily="34" charset="0"/>
-                <a:cs typeface="Times New Roman" panose="02020603050405020304" pitchFamily="18" charset="0"/>
-                <a:hlinkClick r:id="rId5"/>
-              </a:rPr>
-              <a:t>Jul 10, 2020</a:t>
-            </a:r>
-            <a:endParaRPr lang="en-IN" sz="1600" dirty="0">
-              <a:effectLst/>
-              <a:latin typeface="Calibri" panose="020F0502020204030204" pitchFamily="34" charset="0"/>
-              <a:ea typeface="Calibri" panose="020F0502020204030204" pitchFamily="34" charset="0"/>
-              <a:cs typeface="Times New Roman" panose="02020603050405020304" pitchFamily="18" charset="0"/>
-            </a:endParaRPr>
-          </a:p>
-          <a:p>
-            <a:pPr>
-              <a:lnSpc>
-                <a:spcPct val="107000"/>
-              </a:lnSpc>
-            </a:pPr>
-            <a:r>
-              <a:rPr lang="en-US" sz="1600" dirty="0">
-                <a:effectLst/>
-                <a:latin typeface="Calibri" panose="020F0502020204030204" pitchFamily="34" charset="0"/>
-                <a:ea typeface="Calibri" panose="020F0502020204030204" pitchFamily="34" charset="0"/>
-                <a:cs typeface="Times New Roman" panose="02020603050405020304" pitchFamily="18" charset="0"/>
-              </a:rPr>
-              <a:t>Financial time series forecasting using support vector machines September 2003  </a:t>
-            </a:r>
-            <a:r>
-              <a:rPr lang="en-US" sz="1600" u="sng" dirty="0">
-                <a:solidFill>
-                  <a:srgbClr val="0000FF"/>
-                </a:solidFill>
-                <a:effectLst/>
-                <a:latin typeface="Calibri" panose="020F0502020204030204" pitchFamily="34" charset="0"/>
-                <a:ea typeface="Calibri" panose="020F0502020204030204" pitchFamily="34" charset="0"/>
-                <a:cs typeface="Times New Roman" panose="02020603050405020304" pitchFamily="18" charset="0"/>
-                <a:hlinkClick r:id="rId6"/>
-              </a:rPr>
-              <a:t>Neurocomputing</a:t>
-            </a:r>
-            <a:r>
-              <a:rPr lang="en-US" sz="1600" dirty="0">
-                <a:effectLst/>
-                <a:latin typeface="Calibri" panose="020F0502020204030204" pitchFamily="34" charset="0"/>
-                <a:ea typeface="Calibri" panose="020F0502020204030204" pitchFamily="34" charset="0"/>
-                <a:cs typeface="Times New Roman" panose="02020603050405020304" pitchFamily="18" charset="0"/>
-              </a:rPr>
-              <a:t> 55(1-2):307-319</a:t>
-            </a:r>
-            <a:endParaRPr lang="en-IN" sz="1600" dirty="0">
-              <a:effectLst/>
-              <a:latin typeface="Calibri" panose="020F0502020204030204" pitchFamily="34" charset="0"/>
-              <a:ea typeface="Calibri" panose="020F0502020204030204" pitchFamily="34" charset="0"/>
-              <a:cs typeface="Times New Roman" panose="02020603050405020304" pitchFamily="18" charset="0"/>
-            </a:endParaRPr>
-          </a:p>
-          <a:p>
-            <a:pPr>
-              <a:lnSpc>
-                <a:spcPct val="107000"/>
-              </a:lnSpc>
-            </a:pPr>
-            <a:r>
-              <a:rPr lang="en-US" sz="1600" dirty="0">
-                <a:effectLst/>
-                <a:latin typeface="Calibri" panose="020F0502020204030204" pitchFamily="34" charset="0"/>
-                <a:ea typeface="Calibri" panose="020F0502020204030204" pitchFamily="34" charset="0"/>
-                <a:cs typeface="Times New Roman" panose="02020603050405020304" pitchFamily="18" charset="0"/>
-              </a:rPr>
-              <a:t>Financial time series forecasting using support vector machines </a:t>
-            </a:r>
-            <a:r>
-              <a:rPr lang="en-US" sz="1600" dirty="0" err="1">
-                <a:effectLst/>
-                <a:latin typeface="Calibri" panose="020F0502020204030204" pitchFamily="34" charset="0"/>
-                <a:ea typeface="Calibri" panose="020F0502020204030204" pitchFamily="34" charset="0"/>
-                <a:cs typeface="Times New Roman" panose="02020603050405020304" pitchFamily="18" charset="0"/>
-              </a:rPr>
-              <a:t>Kyoung-jae</a:t>
-            </a:r>
-            <a:r>
-              <a:rPr lang="en-US" sz="1600" dirty="0">
-                <a:effectLst/>
-                <a:latin typeface="Calibri" panose="020F0502020204030204" pitchFamily="34" charset="0"/>
-                <a:ea typeface="Calibri" panose="020F0502020204030204" pitchFamily="34" charset="0"/>
-                <a:cs typeface="Times New Roman" panose="02020603050405020304" pitchFamily="18" charset="0"/>
-              </a:rPr>
-              <a:t> Kim</a:t>
-            </a:r>
-            <a:r>
-              <a:rPr lang="en-US" sz="1600" dirty="0">
-                <a:effectLst/>
-                <a:latin typeface="Cambria Math" panose="02040503050406030204" pitchFamily="18" charset="0"/>
-                <a:ea typeface="Calibri" panose="020F0502020204030204" pitchFamily="34" charset="0"/>
-                <a:cs typeface="Cambria Math" panose="02040503050406030204" pitchFamily="18" charset="0"/>
-              </a:rPr>
-              <a:t>∗</a:t>
-            </a:r>
-            <a:r>
-              <a:rPr lang="en-US" sz="1600" dirty="0">
-                <a:effectLst/>
-                <a:latin typeface="Calibri" panose="020F0502020204030204" pitchFamily="34" charset="0"/>
-                <a:ea typeface="Calibri" panose="020F0502020204030204" pitchFamily="34" charset="0"/>
-                <a:cs typeface="Times New Roman" panose="02020603050405020304" pitchFamily="18" charset="0"/>
-              </a:rPr>
-              <a:t> Department of Information Systems, College of Business Administration, Dongguk University, 3-26, </a:t>
-            </a:r>
-            <a:r>
-              <a:rPr lang="en-US" sz="1600" dirty="0" err="1">
-                <a:effectLst/>
-                <a:latin typeface="Calibri" panose="020F0502020204030204" pitchFamily="34" charset="0"/>
-                <a:ea typeface="Calibri" panose="020F0502020204030204" pitchFamily="34" charset="0"/>
-                <a:cs typeface="Times New Roman" panose="02020603050405020304" pitchFamily="18" charset="0"/>
-              </a:rPr>
-              <a:t>Pil</a:t>
-            </a:r>
-            <a:r>
-              <a:rPr lang="en-US" sz="1600" dirty="0">
-                <a:effectLst/>
-                <a:latin typeface="Calibri" panose="020F0502020204030204" pitchFamily="34" charset="0"/>
-                <a:ea typeface="Calibri" panose="020F0502020204030204" pitchFamily="34" charset="0"/>
-                <a:cs typeface="Times New Roman" panose="02020603050405020304" pitchFamily="18" charset="0"/>
-              </a:rPr>
-              <a:t>-dong, Chung-</a:t>
-            </a:r>
-            <a:r>
-              <a:rPr lang="en-US" sz="1600" dirty="0" err="1">
-                <a:effectLst/>
-                <a:latin typeface="Calibri" panose="020F0502020204030204" pitchFamily="34" charset="0"/>
-                <a:ea typeface="Calibri" panose="020F0502020204030204" pitchFamily="34" charset="0"/>
-                <a:cs typeface="Times New Roman" panose="02020603050405020304" pitchFamily="18" charset="0"/>
-              </a:rPr>
-              <a:t>gu</a:t>
-            </a:r>
-            <a:r>
-              <a:rPr lang="en-US" sz="1600" dirty="0">
-                <a:effectLst/>
-                <a:latin typeface="Calibri" panose="020F0502020204030204" pitchFamily="34" charset="0"/>
-                <a:ea typeface="Calibri" panose="020F0502020204030204" pitchFamily="34" charset="0"/>
-                <a:cs typeface="Times New Roman" panose="02020603050405020304" pitchFamily="18" charset="0"/>
-              </a:rPr>
-              <a:t>, Seoul 100715, South Korea Received 28 February 2002; accepted 13 March2003</a:t>
-            </a:r>
-            <a:endParaRPr lang="en-IN" sz="1600" dirty="0">
-              <a:effectLst/>
-              <a:latin typeface="Calibri" panose="020F0502020204030204" pitchFamily="34" charset="0"/>
-              <a:ea typeface="Calibri" panose="020F0502020204030204" pitchFamily="34" charset="0"/>
-              <a:cs typeface="Times New Roman" panose="02020603050405020304" pitchFamily="18" charset="0"/>
-            </a:endParaRPr>
-          </a:p>
-          <a:p>
-            <a:pPr>
-              <a:lnSpc>
-                <a:spcPct val="107000"/>
-              </a:lnSpc>
-            </a:pPr>
-            <a:r>
-              <a:rPr lang="en-US" sz="1600" dirty="0">
-                <a:effectLst/>
-                <a:latin typeface="Calibri" panose="020F0502020204030204" pitchFamily="34" charset="0"/>
-                <a:ea typeface="Calibri" panose="020F0502020204030204" pitchFamily="34" charset="0"/>
-                <a:cs typeface="Times New Roman" panose="02020603050405020304" pitchFamily="18" charset="0"/>
-              </a:rPr>
-              <a:t>Predicting Stock Price Direction using Support Vector Machines </a:t>
-            </a:r>
-            <a:r>
-              <a:rPr lang="en-US" sz="1600" dirty="0" err="1">
-                <a:effectLst/>
-                <a:latin typeface="Calibri" panose="020F0502020204030204" pitchFamily="34" charset="0"/>
-                <a:ea typeface="Calibri" panose="020F0502020204030204" pitchFamily="34" charset="0"/>
-                <a:cs typeface="Times New Roman" panose="02020603050405020304" pitchFamily="18" charset="0"/>
-              </a:rPr>
-              <a:t>Saahil</a:t>
-            </a:r>
-            <a:r>
-              <a:rPr lang="en-US" sz="1600" dirty="0">
-                <a:effectLst/>
-                <a:latin typeface="Calibri" panose="020F0502020204030204" pitchFamily="34" charset="0"/>
-                <a:ea typeface="Calibri" panose="020F0502020204030204" pitchFamily="34" charset="0"/>
-                <a:cs typeface="Times New Roman" panose="02020603050405020304" pitchFamily="18" charset="0"/>
-              </a:rPr>
-              <a:t> Madge Advisor: Professor Swati Bhatt</a:t>
-            </a:r>
-            <a:endParaRPr lang="en-IN" sz="1600" dirty="0">
-              <a:effectLst/>
-              <a:latin typeface="Calibri" panose="020F0502020204030204" pitchFamily="34" charset="0"/>
-              <a:ea typeface="Calibri" panose="020F0502020204030204" pitchFamily="34" charset="0"/>
-              <a:cs typeface="Times New Roman" panose="02020603050405020304" pitchFamily="18" charset="0"/>
-            </a:endParaRPr>
-          </a:p>
-          <a:p>
-            <a:pPr>
-              <a:lnSpc>
-                <a:spcPct val="107000"/>
-              </a:lnSpc>
-            </a:pPr>
-            <a:r>
-              <a:rPr lang="en-US" sz="1600" dirty="0">
-                <a:effectLst/>
-                <a:latin typeface="Calibri" panose="020F0502020204030204" pitchFamily="34" charset="0"/>
-                <a:ea typeface="Calibri" panose="020F0502020204030204" pitchFamily="34" charset="0"/>
-                <a:cs typeface="Times New Roman" panose="02020603050405020304" pitchFamily="18" charset="0"/>
-              </a:rPr>
-              <a:t>How Does Support Vector Machine (SVM) Algorithm Works In Machine Learning?: https://www.analyticssteps.com/blogs/how-does-support-vector-machine-algorithm-works-machine-learning</a:t>
-            </a:r>
-          </a:p>
-        </p:txBody>
-      </p:sp>
-    </p:spTree>
-    <p:extLst>
-      <p:ext uri="{BB962C8B-B14F-4D97-AF65-F5344CB8AC3E}">
-        <p14:creationId xmlns:p14="http://schemas.microsoft.com/office/powerpoint/2010/main" val="2388314341"/>
-      </p:ext>
-    </p:extLst>
-  </p:cSld>
-  <p:clrMapOvr>
-    <a:masterClrMapping/>
-  </p:clrMapOvr>
-</p:sld>
-</file>
-
-<file path=ppt/slides/slide15.xml><?xml version="1.0" encoding="utf-8"?>
-<p:sld xmlns:a="http://schemas.openxmlformats.org/drawingml/2006/main" xmlns:r="http://schemas.openxmlformats.org/officeDocument/2006/relationships" xmlns:p="http://schemas.openxmlformats.org/presentationml/2006/main">
-  <p:cSld>
-    <p:spTree>
-      <p:nvGrpSpPr>
-        <p:cNvPr id="1" name=""/>
-        <p:cNvGrpSpPr/>
-        <p:nvPr/>
-      </p:nvGrpSpPr>
-      <p:grpSpPr>
-        <a:xfrm>
-          <a:off x="0" y="0"/>
-          <a:ext cx="0" cy="0"/>
-          <a:chOff x="0" y="0"/>
-          <a:chExt cx="0" cy="0"/>
-        </a:xfrm>
-      </p:grpSpPr>
-      <p:sp>
-        <p:nvSpPr>
-          <p:cNvPr id="2" name="Title 1">
-            <a:extLst>
-              <a:ext uri="{FF2B5EF4-FFF2-40B4-BE49-F238E27FC236}">
-                <a16:creationId xmlns:a16="http://schemas.microsoft.com/office/drawing/2014/main" id="{1F4F039D-1772-43A6-8E07-7D1B6D9F39ED}"/>
-              </a:ext>
-            </a:extLst>
-          </p:cNvPr>
-          <p:cNvSpPr>
-            <a:spLocks noGrp="1"/>
-          </p:cNvSpPr>
-          <p:nvPr>
-            <p:ph type="title"/>
-          </p:nvPr>
-        </p:nvSpPr>
-        <p:spPr/>
-        <p:txBody>
-          <a:bodyPr/>
-          <a:lstStyle/>
-          <a:p>
-            <a:r>
-              <a:rPr lang="en-US" dirty="0"/>
-              <a:t>Continued…</a:t>
-            </a:r>
-            <a:endParaRPr lang="en-IN" dirty="0"/>
-          </a:p>
-        </p:txBody>
-      </p:sp>
-      <p:sp>
-        <p:nvSpPr>
-          <p:cNvPr id="3" name="Content Placeholder 2">
-            <a:extLst>
-              <a:ext uri="{FF2B5EF4-FFF2-40B4-BE49-F238E27FC236}">
-                <a16:creationId xmlns:a16="http://schemas.microsoft.com/office/drawing/2014/main" id="{92D63F7D-06A6-4B7C-BD68-19CA2E800723}"/>
-              </a:ext>
-            </a:extLst>
-          </p:cNvPr>
-          <p:cNvSpPr>
-            <a:spLocks noGrp="1"/>
-          </p:cNvSpPr>
-          <p:nvPr>
-            <p:ph idx="1"/>
-          </p:nvPr>
-        </p:nvSpPr>
-        <p:spPr>
-          <a:xfrm>
-            <a:off x="1371600" y="2072936"/>
-            <a:ext cx="9601200" cy="4425518"/>
-          </a:xfrm>
-        </p:spPr>
-        <p:txBody>
-          <a:bodyPr>
-            <a:normAutofit fontScale="77500" lnSpcReduction="20000"/>
-          </a:bodyPr>
-          <a:lstStyle/>
-          <a:p>
-            <a:pPr>
-              <a:lnSpc>
-                <a:spcPct val="107000"/>
-              </a:lnSpc>
-            </a:pPr>
-            <a:r>
-              <a:rPr lang="en-US" sz="2000" dirty="0" err="1">
-                <a:solidFill>
-                  <a:srgbClr val="333333"/>
-                </a:solidFill>
-                <a:effectLst/>
-                <a:latin typeface="Segoe UI" panose="020B0502040204020203" pitchFamily="34" charset="0"/>
-                <a:ea typeface="Calibri" panose="020F0502020204030204" pitchFamily="34" charset="0"/>
-                <a:cs typeface="Times New Roman" panose="02020603050405020304" pitchFamily="18" charset="0"/>
-              </a:rPr>
-              <a:t>Selvamuthu</a:t>
-            </a:r>
-            <a:r>
-              <a:rPr lang="en-US" sz="2000" dirty="0">
-                <a:solidFill>
-                  <a:srgbClr val="333333"/>
-                </a:solidFill>
-                <a:effectLst/>
-                <a:latin typeface="Segoe UI" panose="020B0502040204020203" pitchFamily="34" charset="0"/>
-                <a:ea typeface="Calibri" panose="020F0502020204030204" pitchFamily="34" charset="0"/>
-                <a:cs typeface="Times New Roman" panose="02020603050405020304" pitchFamily="18" charset="0"/>
-              </a:rPr>
-              <a:t>, D., Kumar, V. &amp; Mishra, A. Indian stock market prediction using artificial neural networks on tick data. </a:t>
-            </a:r>
-            <a:r>
-              <a:rPr lang="en-US" sz="2000" i="1" dirty="0" err="1">
-                <a:solidFill>
-                  <a:srgbClr val="333333"/>
-                </a:solidFill>
-                <a:effectLst/>
-                <a:latin typeface="Segoe UI" panose="020B0502040204020203" pitchFamily="34" charset="0"/>
-                <a:ea typeface="Calibri" panose="020F0502020204030204" pitchFamily="34" charset="0"/>
-                <a:cs typeface="Times New Roman" panose="02020603050405020304" pitchFamily="18" charset="0"/>
-              </a:rPr>
-              <a:t>Financ</a:t>
-            </a:r>
-            <a:r>
-              <a:rPr lang="en-US" sz="2000" i="1" dirty="0">
-                <a:solidFill>
-                  <a:srgbClr val="333333"/>
-                </a:solidFill>
-                <a:effectLst/>
-                <a:latin typeface="Segoe UI" panose="020B0502040204020203" pitchFamily="34" charset="0"/>
-                <a:ea typeface="Calibri" panose="020F0502020204030204" pitchFamily="34" charset="0"/>
-                <a:cs typeface="Times New Roman" panose="02020603050405020304" pitchFamily="18" charset="0"/>
-              </a:rPr>
-              <a:t> </a:t>
-            </a:r>
-            <a:r>
-              <a:rPr lang="en-US" sz="2000" i="1" dirty="0" err="1">
-                <a:solidFill>
-                  <a:srgbClr val="333333"/>
-                </a:solidFill>
-                <a:effectLst/>
-                <a:latin typeface="Segoe UI" panose="020B0502040204020203" pitchFamily="34" charset="0"/>
-                <a:ea typeface="Calibri" panose="020F0502020204030204" pitchFamily="34" charset="0"/>
-                <a:cs typeface="Times New Roman" panose="02020603050405020304" pitchFamily="18" charset="0"/>
-              </a:rPr>
-              <a:t>Innov</a:t>
-            </a:r>
-            <a:r>
-              <a:rPr lang="en-US" sz="2000" dirty="0">
-                <a:solidFill>
-                  <a:srgbClr val="333333"/>
-                </a:solidFill>
-                <a:effectLst/>
-                <a:latin typeface="Segoe UI" panose="020B0502040204020203" pitchFamily="34" charset="0"/>
-                <a:ea typeface="Calibri" panose="020F0502020204030204" pitchFamily="34" charset="0"/>
-                <a:cs typeface="Times New Roman" panose="02020603050405020304" pitchFamily="18" charset="0"/>
-              </a:rPr>
-              <a:t> </a:t>
-            </a:r>
-            <a:r>
-              <a:rPr lang="en-US" sz="2000" b="1" dirty="0">
-                <a:solidFill>
-                  <a:srgbClr val="333333"/>
-                </a:solidFill>
-                <a:effectLst/>
-                <a:latin typeface="Segoe UI" panose="020B0502040204020203" pitchFamily="34" charset="0"/>
-                <a:ea typeface="Calibri" panose="020F0502020204030204" pitchFamily="34" charset="0"/>
-                <a:cs typeface="Times New Roman" panose="02020603050405020304" pitchFamily="18" charset="0"/>
-              </a:rPr>
-              <a:t>5, </a:t>
-            </a:r>
-            <a:r>
-              <a:rPr lang="en-US" sz="2000" dirty="0">
-                <a:solidFill>
-                  <a:srgbClr val="333333"/>
-                </a:solidFill>
-                <a:effectLst/>
-                <a:latin typeface="Segoe UI" panose="020B0502040204020203" pitchFamily="34" charset="0"/>
-                <a:ea typeface="Calibri" panose="020F0502020204030204" pitchFamily="34" charset="0"/>
-                <a:cs typeface="Times New Roman" panose="02020603050405020304" pitchFamily="18" charset="0"/>
-              </a:rPr>
-              <a:t>16 (2019). https://doi.org/10.1186/s40854-019-0131-7</a:t>
-            </a:r>
-            <a:endParaRPr lang="en-IN" sz="2000" dirty="0">
-              <a:effectLst/>
-              <a:latin typeface="Calibri" panose="020F0502020204030204" pitchFamily="34" charset="0"/>
-              <a:ea typeface="Calibri" panose="020F0502020204030204" pitchFamily="34" charset="0"/>
-              <a:cs typeface="Times New Roman" panose="02020603050405020304" pitchFamily="18" charset="0"/>
-            </a:endParaRPr>
-          </a:p>
-          <a:p>
-            <a:pPr>
-              <a:lnSpc>
-                <a:spcPct val="107000"/>
-              </a:lnSpc>
-            </a:pPr>
-            <a:r>
-              <a:rPr lang="en-US" sz="2000" dirty="0">
-                <a:effectLst/>
-                <a:latin typeface="Calibri" panose="020F0502020204030204" pitchFamily="34" charset="0"/>
-                <a:ea typeface="Calibri" panose="020F0502020204030204" pitchFamily="34" charset="0"/>
-                <a:cs typeface="Times New Roman" panose="02020603050405020304" pitchFamily="18" charset="0"/>
-              </a:rPr>
-              <a:t>Time series forecasting using artificial neural networks methodologies: A systematic review Future Computing and Informatics Journal, Volume 3, Issue 2, 2018,  ISSN 2314-7288, </a:t>
-            </a:r>
-            <a:r>
-              <a:rPr lang="en-US" sz="2000" u="sng" dirty="0">
-                <a:solidFill>
-                  <a:srgbClr val="0000FF"/>
-                </a:solidFill>
-                <a:effectLst/>
-                <a:latin typeface="Calibri" panose="020F0502020204030204" pitchFamily="34" charset="0"/>
-                <a:ea typeface="Calibri" panose="020F0502020204030204" pitchFamily="34" charset="0"/>
-                <a:cs typeface="Times New Roman" panose="02020603050405020304" pitchFamily="18" charset="0"/>
-                <a:hlinkClick r:id="rId2"/>
-              </a:rPr>
-              <a:t>https://doi.org/10.1016/j.fcij.2018.10.003</a:t>
-            </a:r>
-            <a:r>
-              <a:rPr lang="en-US" sz="2000" dirty="0">
-                <a:effectLst/>
-                <a:latin typeface="Calibri" panose="020F0502020204030204" pitchFamily="34" charset="0"/>
-                <a:ea typeface="Calibri" panose="020F0502020204030204" pitchFamily="34" charset="0"/>
-                <a:cs typeface="Times New Roman" panose="02020603050405020304" pitchFamily="18" charset="0"/>
-              </a:rPr>
-              <a:t>. (</a:t>
-            </a:r>
-            <a:r>
-              <a:rPr lang="en-US" sz="2000" u="sng" dirty="0">
-                <a:solidFill>
-                  <a:srgbClr val="0000FF"/>
-                </a:solidFill>
-                <a:effectLst/>
-                <a:latin typeface="Calibri" panose="020F0502020204030204" pitchFamily="34" charset="0"/>
-                <a:ea typeface="Calibri" panose="020F0502020204030204" pitchFamily="34" charset="0"/>
-                <a:cs typeface="Times New Roman" panose="02020603050405020304" pitchFamily="18" charset="0"/>
-                <a:hlinkClick r:id="rId3"/>
-              </a:rPr>
-              <a:t>https://www.sciencedirect.com/science/article/pii/S2314728817300715</a:t>
-            </a:r>
-            <a:r>
-              <a:rPr lang="en-US" sz="2000" dirty="0">
-                <a:effectLst/>
-                <a:latin typeface="Calibri" panose="020F0502020204030204" pitchFamily="34" charset="0"/>
-                <a:ea typeface="Calibri" panose="020F0502020204030204" pitchFamily="34" charset="0"/>
-                <a:cs typeface="Times New Roman" panose="02020603050405020304" pitchFamily="18" charset="0"/>
-              </a:rPr>
-              <a:t>)</a:t>
-            </a:r>
-            <a:endParaRPr lang="en-IN" sz="2000" dirty="0">
-              <a:effectLst/>
-              <a:latin typeface="Calibri" panose="020F0502020204030204" pitchFamily="34" charset="0"/>
-              <a:ea typeface="Calibri" panose="020F0502020204030204" pitchFamily="34" charset="0"/>
-              <a:cs typeface="Times New Roman" panose="02020603050405020304" pitchFamily="18" charset="0"/>
-            </a:endParaRPr>
-          </a:p>
-          <a:p>
-            <a:pPr>
-              <a:lnSpc>
-                <a:spcPct val="107000"/>
-              </a:lnSpc>
-            </a:pPr>
-            <a:r>
-              <a:rPr lang="en-US" sz="2000" dirty="0">
-                <a:effectLst/>
-                <a:latin typeface="Calibri" panose="020F0502020204030204" pitchFamily="34" charset="0"/>
-                <a:ea typeface="Calibri" panose="020F0502020204030204" pitchFamily="34" charset="0"/>
-                <a:cs typeface="Times New Roman" panose="02020603050405020304" pitchFamily="18" charset="0"/>
-              </a:rPr>
-              <a:t>Ina Khandelwal, </a:t>
-            </a:r>
-            <a:r>
-              <a:rPr lang="en-US" sz="2000" dirty="0" err="1">
-                <a:effectLst/>
-                <a:latin typeface="Calibri" panose="020F0502020204030204" pitchFamily="34" charset="0"/>
-                <a:ea typeface="Calibri" panose="020F0502020204030204" pitchFamily="34" charset="0"/>
-                <a:cs typeface="Times New Roman" panose="02020603050405020304" pitchFamily="18" charset="0"/>
-              </a:rPr>
-              <a:t>Ratnadip</a:t>
-            </a:r>
-            <a:r>
-              <a:rPr lang="en-US" sz="2000" dirty="0">
-                <a:effectLst/>
-                <a:latin typeface="Calibri" panose="020F0502020204030204" pitchFamily="34" charset="0"/>
-                <a:ea typeface="Calibri" panose="020F0502020204030204" pitchFamily="34" charset="0"/>
-                <a:cs typeface="Times New Roman" panose="02020603050405020304" pitchFamily="18" charset="0"/>
-              </a:rPr>
-              <a:t> Adhikari, Ghanshyam Verma, Time Series Forecasting Using Hybrid ARIMA and ANN Models Based on DWT Decomposition, Procedia Computer Science, Volume 48, 2015, Pages 173-179, ISSN 1877-0509, </a:t>
-            </a:r>
-            <a:r>
-              <a:rPr lang="en-US" sz="2000" u="sng" dirty="0">
-                <a:solidFill>
-                  <a:srgbClr val="0000FF"/>
-                </a:solidFill>
-                <a:effectLst/>
-                <a:latin typeface="Calibri" panose="020F0502020204030204" pitchFamily="34" charset="0"/>
-                <a:ea typeface="Calibri" panose="020F0502020204030204" pitchFamily="34" charset="0"/>
-                <a:cs typeface="Times New Roman" panose="02020603050405020304" pitchFamily="18" charset="0"/>
-                <a:hlinkClick r:id="rId4"/>
-              </a:rPr>
-              <a:t>https://doi.org/10.1016/j.procs.2015.04.167</a:t>
-            </a:r>
-            <a:r>
-              <a:rPr lang="en-US" sz="2000" dirty="0">
-                <a:effectLst/>
-                <a:latin typeface="Calibri" panose="020F0502020204030204" pitchFamily="34" charset="0"/>
-                <a:ea typeface="Calibri" panose="020F0502020204030204" pitchFamily="34" charset="0"/>
-                <a:cs typeface="Times New Roman" panose="02020603050405020304" pitchFamily="18" charset="0"/>
-              </a:rPr>
-              <a:t>. (</a:t>
-            </a:r>
-            <a:r>
-              <a:rPr lang="en-US" sz="2000" u="sng" dirty="0">
-                <a:solidFill>
-                  <a:srgbClr val="0000FF"/>
-                </a:solidFill>
-                <a:effectLst/>
-                <a:latin typeface="Calibri" panose="020F0502020204030204" pitchFamily="34" charset="0"/>
-                <a:ea typeface="Calibri" panose="020F0502020204030204" pitchFamily="34" charset="0"/>
-                <a:cs typeface="Times New Roman" panose="02020603050405020304" pitchFamily="18" charset="0"/>
-                <a:hlinkClick r:id="rId5"/>
-              </a:rPr>
-              <a:t>https://www.sciencedirect.com/science/article/pii/S1877050915006766</a:t>
-            </a:r>
-            <a:r>
-              <a:rPr lang="en-US" sz="2000" dirty="0">
-                <a:effectLst/>
-                <a:latin typeface="Calibri" panose="020F0502020204030204" pitchFamily="34" charset="0"/>
-                <a:ea typeface="Calibri" panose="020F0502020204030204" pitchFamily="34" charset="0"/>
-                <a:cs typeface="Times New Roman" panose="02020603050405020304" pitchFamily="18" charset="0"/>
-              </a:rPr>
-              <a:t>)</a:t>
-            </a:r>
-            <a:endParaRPr lang="en-IN" sz="2000" dirty="0">
-              <a:effectLst/>
-              <a:latin typeface="Calibri" panose="020F0502020204030204" pitchFamily="34" charset="0"/>
-              <a:ea typeface="Calibri" panose="020F0502020204030204" pitchFamily="34" charset="0"/>
-              <a:cs typeface="Times New Roman" panose="02020603050405020304" pitchFamily="18" charset="0"/>
-            </a:endParaRPr>
-          </a:p>
-          <a:p>
-            <a:pPr>
-              <a:lnSpc>
-                <a:spcPct val="107000"/>
-              </a:lnSpc>
-            </a:pPr>
-            <a:r>
-              <a:rPr lang="en-US" sz="2000" dirty="0" err="1">
-                <a:effectLst/>
-                <a:latin typeface="Calibri" panose="020F0502020204030204" pitchFamily="34" charset="0"/>
-                <a:ea typeface="Calibri" panose="020F0502020204030204" pitchFamily="34" charset="0"/>
-                <a:cs typeface="Times New Roman" panose="02020603050405020304" pitchFamily="18" charset="0"/>
-              </a:rPr>
-              <a:t>Tealab</a:t>
-            </a:r>
-            <a:r>
-              <a:rPr lang="en-US" sz="2000" dirty="0">
-                <a:effectLst/>
-                <a:latin typeface="Calibri" panose="020F0502020204030204" pitchFamily="34" charset="0"/>
-                <a:ea typeface="Calibri" panose="020F0502020204030204" pitchFamily="34" charset="0"/>
-                <a:cs typeface="Times New Roman" panose="02020603050405020304" pitchFamily="18" charset="0"/>
-              </a:rPr>
-              <a:t>, Ahmed &amp; </a:t>
-            </a:r>
-            <a:r>
-              <a:rPr lang="en-US" sz="2000" dirty="0" err="1">
-                <a:effectLst/>
-                <a:latin typeface="Calibri" panose="020F0502020204030204" pitchFamily="34" charset="0"/>
-                <a:ea typeface="Calibri" panose="020F0502020204030204" pitchFamily="34" charset="0"/>
-                <a:cs typeface="Times New Roman" panose="02020603050405020304" pitchFamily="18" charset="0"/>
-              </a:rPr>
-              <a:t>Hefny</a:t>
-            </a:r>
-            <a:r>
-              <a:rPr lang="en-US" sz="2000" dirty="0">
-                <a:effectLst/>
-                <a:latin typeface="Calibri" panose="020F0502020204030204" pitchFamily="34" charset="0"/>
-                <a:ea typeface="Calibri" panose="020F0502020204030204" pitchFamily="34" charset="0"/>
-                <a:cs typeface="Times New Roman" panose="02020603050405020304" pitchFamily="18" charset="0"/>
-              </a:rPr>
-              <a:t>, Hesham &amp; </a:t>
-            </a:r>
-            <a:r>
-              <a:rPr lang="en-US" sz="2000" dirty="0" err="1">
-                <a:effectLst/>
-                <a:latin typeface="Calibri" panose="020F0502020204030204" pitchFamily="34" charset="0"/>
-                <a:ea typeface="Calibri" panose="020F0502020204030204" pitchFamily="34" charset="0"/>
-                <a:cs typeface="Times New Roman" panose="02020603050405020304" pitchFamily="18" charset="0"/>
-              </a:rPr>
-              <a:t>Badr</a:t>
-            </a:r>
-            <a:r>
-              <a:rPr lang="en-US" sz="2000" dirty="0">
-                <a:effectLst/>
-                <a:latin typeface="Calibri" panose="020F0502020204030204" pitchFamily="34" charset="0"/>
-                <a:ea typeface="Calibri" panose="020F0502020204030204" pitchFamily="34" charset="0"/>
-                <a:cs typeface="Times New Roman" panose="02020603050405020304" pitchFamily="18" charset="0"/>
-              </a:rPr>
-              <a:t>, Amr. (2017). Forecasting of nonlinear time series using ANN. Future Computing and Informatics Journal. 2. 10.1016/j.fcij.2017.05.001.</a:t>
-            </a:r>
-            <a:endParaRPr lang="en-IN" sz="2000" dirty="0">
-              <a:effectLst/>
-              <a:latin typeface="Calibri" panose="020F0502020204030204" pitchFamily="34" charset="0"/>
-              <a:ea typeface="Calibri" panose="020F0502020204030204" pitchFamily="34" charset="0"/>
-              <a:cs typeface="Times New Roman" panose="02020603050405020304" pitchFamily="18" charset="0"/>
-            </a:endParaRPr>
-          </a:p>
-          <a:p>
-            <a:pPr>
-              <a:lnSpc>
-                <a:spcPct val="107000"/>
-              </a:lnSpc>
-            </a:pPr>
-            <a:r>
-              <a:rPr lang="en-US" sz="2000" dirty="0">
-                <a:effectLst/>
-                <a:latin typeface="Calibri" panose="020F0502020204030204" pitchFamily="34" charset="0"/>
-                <a:ea typeface="Calibri" panose="020F0502020204030204" pitchFamily="34" charset="0"/>
-                <a:cs typeface="Times New Roman" panose="02020603050405020304" pitchFamily="18" charset="0"/>
-              </a:rPr>
-              <a:t>Pramod, &amp; Pm, </a:t>
-            </a:r>
-            <a:r>
-              <a:rPr lang="en-US" sz="2000" dirty="0" err="1">
-                <a:effectLst/>
-                <a:latin typeface="Calibri" panose="020F0502020204030204" pitchFamily="34" charset="0"/>
-                <a:ea typeface="Calibri" panose="020F0502020204030204" pitchFamily="34" charset="0"/>
-                <a:cs typeface="Times New Roman" panose="02020603050405020304" pitchFamily="18" charset="0"/>
-              </a:rPr>
-              <a:t>Mallikarjuna</a:t>
-            </a:r>
-            <a:r>
-              <a:rPr lang="en-US" sz="2000" dirty="0">
-                <a:effectLst/>
-                <a:latin typeface="Calibri" panose="020F0502020204030204" pitchFamily="34" charset="0"/>
-                <a:ea typeface="Calibri" panose="020F0502020204030204" pitchFamily="34" charset="0"/>
-                <a:cs typeface="Times New Roman" panose="02020603050405020304" pitchFamily="18" charset="0"/>
-              </a:rPr>
-              <a:t>. (2021). Stock Price Prediction Using LSTM. Test Engineering and Management. 83. 5246-5251.</a:t>
-            </a:r>
-            <a:endParaRPr lang="en-IN" sz="2000" dirty="0">
-              <a:effectLst/>
-              <a:latin typeface="Calibri" panose="020F0502020204030204" pitchFamily="34" charset="0"/>
-              <a:ea typeface="Calibri" panose="020F0502020204030204" pitchFamily="34" charset="0"/>
-              <a:cs typeface="Times New Roman" panose="02020603050405020304" pitchFamily="18" charset="0"/>
-            </a:endParaRPr>
-          </a:p>
-          <a:p>
-            <a:pPr>
-              <a:lnSpc>
-                <a:spcPts val="1500"/>
-              </a:lnSpc>
-            </a:pPr>
-            <a:r>
-              <a:rPr lang="en-US" sz="2000" dirty="0">
-                <a:solidFill>
-                  <a:srgbClr val="000000"/>
-                </a:solidFill>
-                <a:effectLst/>
-                <a:latin typeface="Calibri" panose="020F0502020204030204" pitchFamily="34" charset="0"/>
-                <a:ea typeface="Calibri" panose="020F0502020204030204" pitchFamily="34" charset="0"/>
-                <a:cs typeface="Times New Roman" panose="02020603050405020304" pitchFamily="18" charset="0"/>
-              </a:rPr>
-              <a:t>Time-Series Forecasting: Predicting Stock Prices Using An LSTM Model  </a:t>
-            </a:r>
-            <a:r>
-              <a:rPr lang="en-US" sz="2000" u="none" strike="noStrike" dirty="0" err="1">
-                <a:solidFill>
-                  <a:srgbClr val="668AAA"/>
-                </a:solidFill>
-                <a:effectLst/>
-                <a:latin typeface="Helvetica" panose="020B0604020202020204" pitchFamily="34" charset="0"/>
-                <a:ea typeface="Calibri" panose="020F0502020204030204" pitchFamily="34" charset="0"/>
-                <a:cs typeface="Segoe UI" panose="020B0502040204020203" pitchFamily="34" charset="0"/>
-                <a:hlinkClick r:id="rId6"/>
-              </a:rPr>
-              <a:t>Serafeim</a:t>
-            </a:r>
-            <a:r>
-              <a:rPr lang="en-US" sz="2000" u="none" strike="noStrike" dirty="0">
-                <a:solidFill>
-                  <a:srgbClr val="668AAA"/>
-                </a:solidFill>
-                <a:effectLst/>
-                <a:latin typeface="Helvetica" panose="020B0604020202020204" pitchFamily="34" charset="0"/>
-                <a:ea typeface="Calibri" panose="020F0502020204030204" pitchFamily="34" charset="0"/>
-                <a:cs typeface="Segoe UI" panose="020B0502040204020203" pitchFamily="34" charset="0"/>
-                <a:hlinkClick r:id="rId6"/>
-              </a:rPr>
-              <a:t> Loukas</a:t>
-            </a:r>
-            <a:r>
-              <a:rPr lang="en-US" sz="2000" dirty="0">
-                <a:solidFill>
-                  <a:srgbClr val="292929"/>
-                </a:solidFill>
-                <a:effectLst/>
-                <a:latin typeface="Helvetica" panose="020B0604020202020204" pitchFamily="34" charset="0"/>
-                <a:ea typeface="Calibri" panose="020F0502020204030204" pitchFamily="34" charset="0"/>
-                <a:cs typeface="Segoe UI" panose="020B0502040204020203" pitchFamily="34" charset="0"/>
-              </a:rPr>
-              <a:t>  </a:t>
-            </a:r>
-            <a:r>
-              <a:rPr lang="en-US" sz="2000" u="none" strike="noStrike" dirty="0">
-                <a:solidFill>
-                  <a:srgbClr val="757575"/>
-                </a:solidFill>
-                <a:effectLst/>
-                <a:latin typeface="Helvetica" panose="020B0604020202020204" pitchFamily="34" charset="0"/>
-                <a:ea typeface="Calibri" panose="020F0502020204030204" pitchFamily="34" charset="0"/>
-                <a:cs typeface="Times New Roman" panose="02020603050405020304" pitchFamily="18" charset="0"/>
-                <a:hlinkClick r:id="rId7"/>
-              </a:rPr>
-              <a:t>Jul 10, 2020</a:t>
-            </a:r>
-            <a:r>
-              <a:rPr lang="en-US" sz="2000" dirty="0">
-                <a:solidFill>
-                  <a:srgbClr val="757575"/>
-                </a:solidFill>
-                <a:effectLst/>
-                <a:latin typeface="Helvetica" panose="020B0604020202020204" pitchFamily="34" charset="0"/>
-                <a:ea typeface="Calibri" panose="020F0502020204030204" pitchFamily="34" charset="0"/>
-                <a:cs typeface="Times New Roman" panose="02020603050405020304" pitchFamily="18" charset="0"/>
-              </a:rPr>
-              <a:t> </a:t>
-            </a:r>
-            <a:r>
-              <a:rPr lang="en-US" sz="2000" dirty="0">
-                <a:solidFill>
-                  <a:srgbClr val="000000"/>
-                </a:solidFill>
-                <a:effectLst/>
-                <a:latin typeface="Calibri" panose="020F0502020204030204" pitchFamily="34" charset="0"/>
-                <a:ea typeface="Calibri" panose="020F0502020204030204" pitchFamily="34" charset="0"/>
-                <a:cs typeface="Times New Roman" panose="02020603050405020304" pitchFamily="18" charset="0"/>
-              </a:rPr>
-              <a:t>https://towardsdatascience.com/lstm-time-series-forecasting-predicting-stock-prices-using-an-lstm-model-6223e9644a2f</a:t>
-            </a:r>
-            <a:endParaRPr lang="en-IN" sz="2000" dirty="0">
-              <a:effectLst/>
-              <a:latin typeface="Calibri" panose="020F0502020204030204" pitchFamily="34" charset="0"/>
-              <a:ea typeface="Calibri" panose="020F0502020204030204" pitchFamily="34" charset="0"/>
-              <a:cs typeface="Times New Roman" panose="02020603050405020304" pitchFamily="18" charset="0"/>
-            </a:endParaRPr>
-          </a:p>
-          <a:p>
-            <a:endParaRPr lang="en-IN" dirty="0"/>
-          </a:p>
-        </p:txBody>
-      </p:sp>
-    </p:spTree>
-    <p:extLst>
-      <p:ext uri="{BB962C8B-B14F-4D97-AF65-F5344CB8AC3E}">
-        <p14:creationId xmlns:p14="http://schemas.microsoft.com/office/powerpoint/2010/main" val="2656675118"/>
-      </p:ext>
-    </p:extLst>
-  </p:cSld>
-  <p:clrMapOvr>
-    <a:masterClrMapping/>
-  </p:clrMapOvr>
-</p:sld>
-</file>
-
-<file path=ppt/slides/slide16.xml><?xml version="1.0" encoding="utf-8"?>
-<p:sld xmlns:a="http://schemas.openxmlformats.org/drawingml/2006/main" xmlns:r="http://schemas.openxmlformats.org/officeDocument/2006/relationships" xmlns:p="http://schemas.openxmlformats.org/presentationml/2006/main">
-  <p:cSld>
-    <p:spTree>
-      <p:nvGrpSpPr>
-        <p:cNvPr id="1" name=""/>
-        <p:cNvGrpSpPr/>
-        <p:nvPr/>
-      </p:nvGrpSpPr>
-      <p:grpSpPr>
-        <a:xfrm>
-          <a:off x="0" y="0"/>
-          <a:ext cx="0" cy="0"/>
-          <a:chOff x="0" y="0"/>
-          <a:chExt cx="0" cy="0"/>
-        </a:xfrm>
-      </p:grpSpPr>
-      <p:sp>
-        <p:nvSpPr>
           <p:cNvPr id="4" name="Title 3">
             <a:extLst>
               <a:ext uri="{FF2B5EF4-FFF2-40B4-BE49-F238E27FC236}">
@@ -6031,9 +5730,6 @@
   <p:clrMapOvr>
     <a:masterClrMapping/>
   </p:clrMapOvr>
-  <p:transition spd="slow">
-    <p:push dir="u"/>
-  </p:transition>
 </p:sld>
 </file>
 
@@ -6091,7 +5787,7 @@
                 <a:latin typeface="Times New Roman" panose="02020603050405020304" pitchFamily="18" charset="0"/>
                 <a:cs typeface="Times New Roman" panose="02020603050405020304" pitchFamily="18" charset="0"/>
               </a:rPr>
-              <a:t>Introduction to Time Series</a:t>
+              <a:t>Introduction to Time Series Forecasting</a:t>
             </a:r>
             <a:endParaRPr lang="en-IN" dirty="0">
               <a:latin typeface="Times New Roman" panose="02020603050405020304" pitchFamily="18" charset="0"/>
@@ -6116,7 +5812,12 @@
             <p:ph idx="1"/>
           </p:nvPr>
         </p:nvSpPr>
-        <p:spPr/>
+        <p:spPr>
+          <a:xfrm>
+            <a:off x="1371600" y="1762055"/>
+            <a:ext cx="9601200" cy="4105345"/>
+          </a:xfrm>
+        </p:spPr>
         <p:txBody>
           <a:bodyPr>
             <a:normAutofit/>
@@ -6124,45 +5825,54 @@
           <a:lstStyle/>
           <a:p>
             <a:r>
-              <a:rPr lang="en-US" sz="2400" b="0" i="0" dirty="0">
-                <a:solidFill>
-                  <a:srgbClr val="3B3835"/>
+              <a:rPr lang="en-US" sz="2400" dirty="0">
+                <a:solidFill>
+                  <a:schemeClr val="tx1"/>
                 </a:solidFill>
                 <a:effectLst/>
                 <a:latin typeface="Calibri" panose="020F0502020204030204" pitchFamily="34" charset="0"/>
+                <a:ea typeface="Times New Roman" panose="02020603050405020304" pitchFamily="18" charset="0"/>
                 <a:cs typeface="Calibri" panose="020F0502020204030204" pitchFamily="34" charset="0"/>
               </a:rPr>
-              <a:t>A time series is a set of observation taken at specified times, usually at equal intervals.</a:t>
-            </a:r>
-          </a:p>
-          <a:p>
-            <a:r>
-              <a:rPr lang="en-US" sz="2400" b="0" i="0" dirty="0">
-                <a:solidFill>
-                  <a:srgbClr val="3B3835"/>
+              <a:t>Forecasting is the system of gathering predictions for the future based totally on historical and present information and the study of trends.</a:t>
+            </a:r>
+          </a:p>
+          <a:p>
+            <a:r>
+              <a:rPr lang="en-US" sz="2400" dirty="0">
+                <a:solidFill>
+                  <a:schemeClr val="tx1"/>
                 </a:solidFill>
                 <a:effectLst/>
                 <a:latin typeface="Calibri" panose="020F0502020204030204" pitchFamily="34" charset="0"/>
+                <a:ea typeface="Times New Roman" panose="02020603050405020304" pitchFamily="18" charset="0"/>
                 <a:cs typeface="Calibri" panose="020F0502020204030204" pitchFamily="34" charset="0"/>
               </a:rPr>
-              <a:t>A time series may be defined as a collection of reading belonging to different time periods of some economic or composite variables.  </a:t>
-            </a:r>
-          </a:p>
-          <a:p>
-            <a:r>
-              <a:rPr lang="en-US" sz="2400" b="0" i="0" dirty="0">
-                <a:solidFill>
-                  <a:srgbClr val="3B3835"/>
+              <a:t>The forecasting procedure provides us with a fast and austere way to generate the forecasts for many time series in a single step.</a:t>
+            </a:r>
+          </a:p>
+          <a:p>
+            <a:r>
+              <a:rPr lang="en-US" sz="2400" dirty="0">
+                <a:solidFill>
+                  <a:schemeClr val="tx1"/>
                 </a:solidFill>
                 <a:effectLst/>
                 <a:latin typeface="Calibri" panose="020F0502020204030204" pitchFamily="34" charset="0"/>
+                <a:ea typeface="Times New Roman" panose="02020603050405020304" pitchFamily="18" charset="0"/>
                 <a:cs typeface="Calibri" panose="020F0502020204030204" pitchFamily="34" charset="0"/>
               </a:rPr>
-              <a:t>One variable is “Time” which is independent variable &amp; and the second is “Data” which is the dependent variable.</a:t>
-            </a:r>
-            <a:endParaRPr lang="en-IN" sz="2400" dirty="0">
-              <a:latin typeface="Calibri" panose="020F0502020204030204" pitchFamily="34" charset="0"/>
-              <a:cs typeface="Calibri" panose="020F0502020204030204" pitchFamily="34" charset="0"/>
+              <a:t>Forecasting uses an extrapolative method(s), where the forecasts for a series are only the function of time and past values of the series, not of any other additional variables.</a:t>
+            </a:r>
+          </a:p>
+          <a:p>
+            <a:endParaRPr lang="en-US" sz="2400" dirty="0">
+              <a:solidFill>
+                <a:schemeClr val="tx1"/>
+              </a:solidFill>
+              <a:effectLst/>
+              <a:latin typeface="Times New Roman" panose="02020603050405020304" pitchFamily="18" charset="0"/>
+              <a:ea typeface="Times New Roman" panose="02020603050405020304" pitchFamily="18" charset="0"/>
             </a:endParaRPr>
           </a:p>
         </p:txBody>
@@ -6177,9 +5887,6 @@
   <p:clrMapOvr>
     <a:masterClrMapping/>
   </p:clrMapOvr>
-  <p:transition spd="slow">
-    <p:push dir="r"/>
-  </p:transition>
 </p:sld>
 </file>
 
@@ -6283,228 +5990,74 @@
           </a:bodyPr>
           <a:lstStyle/>
           <a:p>
-            <a:pPr marR="0">
-              <a:lnSpc>
-                <a:spcPct val="107000"/>
-              </a:lnSpc>
-              <a:spcBef>
-                <a:spcPts val="0"/>
-              </a:spcBef>
-              <a:spcAft>
-                <a:spcPts val="0"/>
-              </a:spcAft>
-              <a:buSzPct val="110000"/>
-              <a:buFont typeface="Wingdings" panose="05000000000000000000" pitchFamily="2" charset="2"/>
-              <a:buChar char="§"/>
-              <a:tabLst>
-                <a:tab pos="581660" algn="l"/>
-                <a:tab pos="1163320" algn="l"/>
-                <a:tab pos="1744980" algn="l"/>
-                <a:tab pos="2326640" algn="l"/>
-                <a:tab pos="2908300" algn="l"/>
-                <a:tab pos="3489960" algn="l"/>
-                <a:tab pos="4071620" algn="l"/>
-                <a:tab pos="4653280" algn="l"/>
-                <a:tab pos="5234940" algn="l"/>
-                <a:tab pos="5816600" algn="l"/>
-                <a:tab pos="6398260" algn="l"/>
-                <a:tab pos="6979920" algn="l"/>
-                <a:tab pos="7561580" algn="l"/>
-                <a:tab pos="8143240" algn="l"/>
-                <a:tab pos="8724900" algn="l"/>
-                <a:tab pos="9306560" algn="l"/>
-              </a:tabLst>
-            </a:pPr>
             <a:r>
               <a:rPr lang="en-US" sz="2400" dirty="0">
                 <a:solidFill>
-                  <a:schemeClr val="tx1">
-                    <a:lumMod val="85000"/>
-                    <a:lumOff val="15000"/>
-                  </a:schemeClr>
+                  <a:schemeClr val="tx1"/>
                 </a:solidFill>
                 <a:effectLst/>
                 <a:latin typeface="Calibri" panose="020F0502020204030204" pitchFamily="34" charset="0"/>
                 <a:ea typeface="Times New Roman" panose="02020603050405020304" pitchFamily="18" charset="0"/>
                 <a:cs typeface="Calibri" panose="020F0502020204030204" pitchFamily="34" charset="0"/>
               </a:rPr>
-              <a:t>Forecasting is the system of gathering predictions for the future based totally on historical and present information and the study of trends.</a:t>
-            </a:r>
-          </a:p>
-          <a:p>
-            <a:pPr>
-              <a:lnSpc>
-                <a:spcPct val="107000"/>
-              </a:lnSpc>
-              <a:spcBef>
-                <a:spcPts val="0"/>
-              </a:spcBef>
-              <a:spcAft>
-                <a:spcPts val="0"/>
-              </a:spcAft>
-              <a:buSzPct val="110000"/>
-              <a:buFont typeface="Wingdings" panose="05000000000000000000" pitchFamily="2" charset="2"/>
-              <a:buChar char="§"/>
-              <a:tabLst>
-                <a:tab pos="581660" algn="l"/>
-                <a:tab pos="1163320" algn="l"/>
-                <a:tab pos="1744980" algn="l"/>
-                <a:tab pos="2326640" algn="l"/>
-                <a:tab pos="2908300" algn="l"/>
-                <a:tab pos="3489960" algn="l"/>
-                <a:tab pos="4071620" algn="l"/>
-                <a:tab pos="4653280" algn="l"/>
-                <a:tab pos="5234940" algn="l"/>
-                <a:tab pos="5816600" algn="l"/>
-                <a:tab pos="6398260" algn="l"/>
-                <a:tab pos="6979920" algn="l"/>
-                <a:tab pos="7561580" algn="l"/>
-                <a:tab pos="8143240" algn="l"/>
-                <a:tab pos="8724900" algn="l"/>
-                <a:tab pos="9306560" algn="l"/>
-              </a:tabLst>
-            </a:pPr>
+              <a:t>The most commonly used forecasting methods include ANNs (Artificial Neural Networks), RNNs (Recurrent Neural Networks), LSTM </a:t>
+            </a:r>
+            <a:r>
+              <a:rPr lang="en-US" sz="2400" dirty="0">
+                <a:solidFill>
+                  <a:schemeClr val="tx1"/>
+                </a:solidFill>
+                <a:effectLst/>
+                <a:latin typeface="Calibri" panose="020F0502020204030204" pitchFamily="34" charset="0"/>
+                <a:ea typeface="Calibri" panose="020F0502020204030204" pitchFamily="34" charset="0"/>
+                <a:cs typeface="Calibri" panose="020F0502020204030204" pitchFamily="34" charset="0"/>
+              </a:rPr>
+              <a:t>(Long Short Term Memory</a:t>
+            </a:r>
+            <a:r>
+              <a:rPr lang="en-US" sz="2400" dirty="0">
+                <a:solidFill>
+                  <a:schemeClr val="tx1"/>
+                </a:solidFill>
+                <a:effectLst/>
+                <a:latin typeface="Calibri" panose="020F0502020204030204" pitchFamily="34" charset="0"/>
+                <a:ea typeface="Times New Roman" panose="02020603050405020304" pitchFamily="18" charset="0"/>
+                <a:cs typeface="Calibri" panose="020F0502020204030204" pitchFamily="34" charset="0"/>
+              </a:rPr>
+              <a:t>), SVM (Support Vector Machine), AR(Auto Regressive), MA(Moving Average) and ARIMA (Auto Regressive Integrated Moving Average) analysis.</a:t>
+            </a:r>
             <a:endParaRPr lang="en-US" sz="2400" dirty="0">
               <a:solidFill>
-                <a:schemeClr val="tx1">
-                  <a:lumMod val="85000"/>
-                  <a:lumOff val="15000"/>
-                </a:schemeClr>
+                <a:schemeClr val="tx1"/>
               </a:solidFill>
               <a:effectLst/>
               <a:latin typeface="Calibri" panose="020F0502020204030204" pitchFamily="34" charset="0"/>
-              <a:ea typeface="Times New Roman" panose="02020603050405020304" pitchFamily="18" charset="0"/>
+              <a:ea typeface="Calibri" panose="020F0502020204030204" pitchFamily="34" charset="0"/>
               <a:cs typeface="Calibri" panose="020F0502020204030204" pitchFamily="34" charset="0"/>
             </a:endParaRPr>
           </a:p>
           <a:p>
-            <a:pPr marR="0">
-              <a:lnSpc>
-                <a:spcPct val="107000"/>
-              </a:lnSpc>
-              <a:spcBef>
-                <a:spcPts val="0"/>
-              </a:spcBef>
-              <a:spcAft>
-                <a:spcPts val="0"/>
-              </a:spcAft>
-              <a:buSzPct val="110000"/>
-              <a:buFont typeface="Wingdings" panose="05000000000000000000" pitchFamily="2" charset="2"/>
-              <a:buChar char="§"/>
-              <a:tabLst>
-                <a:tab pos="581660" algn="l"/>
-                <a:tab pos="1163320" algn="l"/>
-                <a:tab pos="1744980" algn="l"/>
-                <a:tab pos="2326640" algn="l"/>
-                <a:tab pos="2908300" algn="l"/>
-                <a:tab pos="3489960" algn="l"/>
-                <a:tab pos="4071620" algn="l"/>
-                <a:tab pos="4653280" algn="l"/>
-                <a:tab pos="5234940" algn="l"/>
-                <a:tab pos="5816600" algn="l"/>
-                <a:tab pos="6398260" algn="l"/>
-                <a:tab pos="6979920" algn="l"/>
-                <a:tab pos="7561580" algn="l"/>
-                <a:tab pos="8143240" algn="l"/>
-                <a:tab pos="8724900" algn="l"/>
-                <a:tab pos="9306560" algn="l"/>
-              </a:tabLst>
-            </a:pPr>
             <a:r>
               <a:rPr lang="en-US" sz="2400" dirty="0">
                 <a:solidFill>
-                  <a:schemeClr val="tx1">
-                    <a:lumMod val="85000"/>
-                    <a:lumOff val="15000"/>
-                  </a:schemeClr>
+                  <a:schemeClr val="tx1"/>
                 </a:solidFill>
                 <a:effectLst/>
                 <a:latin typeface="Calibri" panose="020F0502020204030204" pitchFamily="34" charset="0"/>
-                <a:ea typeface="Times New Roman" panose="02020603050405020304" pitchFamily="18" charset="0"/>
+                <a:ea typeface="Calibri" panose="020F0502020204030204" pitchFamily="34" charset="0"/>
                 <a:cs typeface="Calibri" panose="020F0502020204030204" pitchFamily="34" charset="0"/>
               </a:rPr>
-              <a:t>Forecasting uses an extrapolative method(s), where the forecasts for a series are only the function of time and past values of the series, not of any other additional variables. </a:t>
-            </a:r>
-          </a:p>
-          <a:p>
-            <a:pPr>
-              <a:lnSpc>
-                <a:spcPct val="107000"/>
-              </a:lnSpc>
-              <a:spcBef>
-                <a:spcPts val="0"/>
-              </a:spcBef>
-              <a:spcAft>
-                <a:spcPts val="0"/>
-              </a:spcAft>
-              <a:buSzPct val="110000"/>
-              <a:buFont typeface="Wingdings" panose="05000000000000000000" pitchFamily="2" charset="2"/>
-              <a:buChar char="§"/>
-              <a:tabLst>
-                <a:tab pos="581660" algn="l"/>
-                <a:tab pos="1163320" algn="l"/>
-                <a:tab pos="1744980" algn="l"/>
-                <a:tab pos="2326640" algn="l"/>
-                <a:tab pos="2908300" algn="l"/>
-                <a:tab pos="3489960" algn="l"/>
-                <a:tab pos="4071620" algn="l"/>
-                <a:tab pos="4653280" algn="l"/>
-                <a:tab pos="5234940" algn="l"/>
-                <a:tab pos="5816600" algn="l"/>
-                <a:tab pos="6398260" algn="l"/>
-                <a:tab pos="6979920" algn="l"/>
-                <a:tab pos="7561580" algn="l"/>
-                <a:tab pos="8143240" algn="l"/>
-                <a:tab pos="8724900" algn="l"/>
-                <a:tab pos="9306560" algn="l"/>
-              </a:tabLst>
-            </a:pPr>
-            <a:endParaRPr lang="en-US" sz="2400" dirty="0">
+              <a:t>Stock market is a booming sector of today’s economy; people are investing in stocks for a good return on investment. With the need for more veracity in the trends of values for the stock prices, the trend forecasting becomes more necessary and essentials for stakeholders. </a:t>
+            </a:r>
+            <a:endParaRPr lang="en-IN" sz="3200" dirty="0">
               <a:solidFill>
-                <a:schemeClr val="tx1">
-                  <a:lumMod val="85000"/>
-                  <a:lumOff val="15000"/>
-                </a:schemeClr>
+                <a:schemeClr val="tx1"/>
               </a:solidFill>
-              <a:effectLst/>
               <a:latin typeface="Calibri" panose="020F0502020204030204" pitchFamily="34" charset="0"/>
-              <a:ea typeface="Times New Roman" panose="02020603050405020304" pitchFamily="18" charset="0"/>
               <a:cs typeface="Calibri" panose="020F0502020204030204" pitchFamily="34" charset="0"/>
             </a:endParaRPr>
           </a:p>
           <a:p>
-            <a:pPr marR="0">
-              <a:lnSpc>
-                <a:spcPct val="107000"/>
-              </a:lnSpc>
-              <a:spcBef>
-                <a:spcPts val="0"/>
-              </a:spcBef>
-              <a:spcAft>
-                <a:spcPts val="0"/>
-              </a:spcAft>
-              <a:buSzPct val="110000"/>
-              <a:buFont typeface="Wingdings" panose="05000000000000000000" pitchFamily="2" charset="2"/>
-              <a:buChar char="§"/>
-              <a:tabLst>
-                <a:tab pos="581660" algn="l"/>
-                <a:tab pos="1163320" algn="l"/>
-                <a:tab pos="1744980" algn="l"/>
-                <a:tab pos="2326640" algn="l"/>
-                <a:tab pos="2908300" algn="l"/>
-                <a:tab pos="3489960" algn="l"/>
-                <a:tab pos="4071620" algn="l"/>
-                <a:tab pos="4653280" algn="l"/>
-                <a:tab pos="5234940" algn="l"/>
-                <a:tab pos="5816600" algn="l"/>
-                <a:tab pos="6398260" algn="l"/>
-                <a:tab pos="6979920" algn="l"/>
-                <a:tab pos="7561580" algn="l"/>
-                <a:tab pos="8143240" algn="l"/>
-                <a:tab pos="8724900" algn="l"/>
-                <a:tab pos="9306560" algn="l"/>
-              </a:tabLst>
-            </a:pPr>
             <a:r>
               <a:rPr lang="en-US" sz="2400" dirty="0">
                 <a:solidFill>
@@ -6533,9 +6086,6 @@
   <p:clrMapOvr>
     <a:masterClrMapping/>
   </p:clrMapOvr>
-  <p:transition spd="slow">
-    <p:push dir="d"/>
-  </p:transition>
 </p:sld>
 </file>
 
@@ -6593,7 +6143,7 @@
                 <a:latin typeface="Times New Roman" panose="02020603050405020304" pitchFamily="18" charset="0"/>
                 <a:cs typeface="Times New Roman" panose="02020603050405020304" pitchFamily="18" charset="0"/>
               </a:rPr>
-              <a:t>List of Time Series Analysis methods:</a:t>
+              <a:t>List of Time Series Analysis methods considered:</a:t>
             </a:r>
           </a:p>
         </p:txBody>
@@ -6616,8 +6166,8 @@
         </p:nvSpPr>
         <p:spPr>
           <a:xfrm>
-            <a:off x="1371600" y="2036619"/>
-            <a:ext cx="9601200" cy="4291610"/>
+            <a:off x="1371600" y="2436175"/>
+            <a:ext cx="9601200" cy="3892054"/>
           </a:xfrm>
         </p:spPr>
         <p:txBody>
@@ -6688,9 +6238,6 @@
   <p:clrMapOvr>
     <a:masterClrMapping/>
   </p:clrMapOvr>
-  <p:transition spd="slow">
-    <p:push dir="u"/>
-  </p:transition>
 </p:sld>
 </file>
 
@@ -6700,7 +6247,10 @@
     <p:bg>
       <p:bgPr>
         <a:solidFill>
-          <a:srgbClr val="CCFFFF"/>
+          <a:schemeClr val="accent1">
+            <a:lumMod val="40000"/>
+            <a:lumOff val="60000"/>
+          </a:schemeClr>
         </a:solidFill>
         <a:effectLst/>
       </p:bgPr>
@@ -6806,30 +6356,17 @@
             </a:pPr>
             <a:r>
               <a:rPr lang="en-US" sz="2200" dirty="0">
-                <a:latin typeface="Calibri" panose="020F0502020204030204" pitchFamily="34" charset="0"/>
+                <a:effectLst/>
+                <a:latin typeface="Calibri" panose="020F0502020204030204" pitchFamily="34" charset="0"/>
+                <a:ea typeface="Calibri" panose="020F0502020204030204" pitchFamily="34" charset="0"/>
                 <a:cs typeface="Calibri" panose="020F0502020204030204" pitchFamily="34" charset="0"/>
               </a:rPr>
-              <a:t>Each connection, like the synapses in a biological brain, can transmit a signal to other neurons.</a:t>
-            </a:r>
-          </a:p>
-          <a:p>
-            <a:pPr>
-              <a:buFont typeface="Wingdings" panose="05000000000000000000" pitchFamily="2" charset="2"/>
-              <a:buChar char="§"/>
-            </a:pPr>
-            <a:r>
-              <a:rPr lang="en-US" sz="2200" dirty="0">
-                <a:latin typeface="Calibri" panose="020F0502020204030204" pitchFamily="34" charset="0"/>
-                <a:cs typeface="Calibri" panose="020F0502020204030204" pitchFamily="34" charset="0"/>
-              </a:rPr>
-              <a:t>An artificial neuron receives a signal then processes it and can signal neurons connected to it.</a:t>
-            </a:r>
-          </a:p>
-          <a:p>
-            <a:pPr marL="0" indent="0">
-              <a:buNone/>
-            </a:pPr>
-            <a:endParaRPr lang="en-US" dirty="0"/>
+              <a:t>Traditional statistical models that include exponential smoothing, moving average, and ARIMA make its prediction linear. Today, Support Vector Machines (SVM) and Artificial Neural Networks (ANN) are widely used to predict stock price movements.</a:t>
+            </a:r>
+            <a:endParaRPr lang="en-US" sz="2200" dirty="0">
+              <a:latin typeface="Calibri" panose="020F0502020204030204" pitchFamily="34" charset="0"/>
+              <a:cs typeface="Calibri" panose="020F0502020204030204" pitchFamily="34" charset="0"/>
+            </a:endParaRPr>
           </a:p>
         </p:txBody>
       </p:sp>
@@ -6937,9 +6474,6 @@
   <p:clrMapOvr>
     <a:masterClrMapping/>
   </p:clrMapOvr>
-  <p:transition spd="slow">
-    <p:push dir="r"/>
-  </p:transition>
 </p:sld>
 </file>
 
@@ -7048,8 +6582,8 @@
         </p:nvSpPr>
         <p:spPr>
           <a:xfrm>
-            <a:off x="1296785" y="3527151"/>
-            <a:ext cx="4799215" cy="3416320"/>
+            <a:off x="1296785" y="3106237"/>
+            <a:ext cx="4799215" cy="3236207"/>
           </a:xfrm>
           <a:prstGeom prst="rect">
             <a:avLst/>
@@ -7062,113 +6596,26 @@
           </a:bodyPr>
           <a:lstStyle/>
           <a:p>
-            <a:pPr marL="285750" indent="-285750">
-              <a:buFont typeface="Wingdings" panose="05000000000000000000" pitchFamily="2" charset="2"/>
-              <a:buChar char="§"/>
+            <a:pPr marL="0" marR="0">
+              <a:lnSpc>
+                <a:spcPct val="107000"/>
+              </a:lnSpc>
+              <a:spcBef>
+                <a:spcPts val="0"/>
+              </a:spcBef>
+              <a:spcAft>
+                <a:spcPts val="0"/>
+              </a:spcAft>
             </a:pPr>
             <a:r>
-              <a:rPr lang="en-US" sz="2400" i="0" dirty="0">
-                <a:solidFill>
-                  <a:schemeClr val="tx1">
-                    <a:lumMod val="85000"/>
-                    <a:lumOff val="15000"/>
-                  </a:schemeClr>
-                </a:solidFill>
+              <a:rPr lang="en-US" sz="2400" dirty="0">
                 <a:effectLst/>
                 <a:latin typeface="Calibri" panose="020F0502020204030204" pitchFamily="34" charset="0"/>
+                <a:ea typeface="Calibri" panose="020F0502020204030204" pitchFamily="34" charset="0"/>
                 <a:cs typeface="Calibri" panose="020F0502020204030204" pitchFamily="34" charset="0"/>
               </a:rPr>
-              <a:t>The term “recurrent neural network” is used indiscriminately to refer to two broad classes of networks with a similar general structure, where one is </a:t>
-            </a:r>
-            <a:r>
-              <a:rPr lang="en-US" sz="2400" i="0" strike="noStrike" dirty="0">
-                <a:solidFill>
-                  <a:schemeClr val="tx1">
-                    <a:lumMod val="85000"/>
-                    <a:lumOff val="15000"/>
-                  </a:schemeClr>
-                </a:solidFill>
-                <a:effectLst/>
-                <a:latin typeface="Calibri" panose="020F0502020204030204" pitchFamily="34" charset="0"/>
-                <a:cs typeface="Calibri" panose="020F0502020204030204" pitchFamily="34" charset="0"/>
-              </a:rPr>
-              <a:t>finite impulse</a:t>
-            </a:r>
-            <a:r>
-              <a:rPr lang="en-US" sz="2400" i="0" dirty="0">
-                <a:solidFill>
-                  <a:schemeClr val="tx1">
-                    <a:lumMod val="85000"/>
-                    <a:lumOff val="15000"/>
-                  </a:schemeClr>
-                </a:solidFill>
-                <a:effectLst/>
-                <a:latin typeface="Calibri" panose="020F0502020204030204" pitchFamily="34" charset="0"/>
-                <a:cs typeface="Calibri" panose="020F0502020204030204" pitchFamily="34" charset="0"/>
-              </a:rPr>
-              <a:t> and the other is </a:t>
-            </a:r>
-            <a:r>
-              <a:rPr lang="en-US" sz="2400" i="0" strike="noStrike" dirty="0">
-                <a:solidFill>
-                  <a:schemeClr val="tx1">
-                    <a:lumMod val="85000"/>
-                    <a:lumOff val="15000"/>
-                  </a:schemeClr>
-                </a:solidFill>
-                <a:effectLst/>
-                <a:latin typeface="Calibri" panose="020F0502020204030204" pitchFamily="34" charset="0"/>
-                <a:cs typeface="Calibri" panose="020F0502020204030204" pitchFamily="34" charset="0"/>
-              </a:rPr>
-              <a:t>infinite impulse</a:t>
-            </a:r>
-            <a:r>
-              <a:rPr lang="en-US" sz="2400" i="0" dirty="0">
-                <a:solidFill>
-                  <a:schemeClr val="tx1">
-                    <a:lumMod val="85000"/>
-                    <a:lumOff val="15000"/>
-                  </a:schemeClr>
-                </a:solidFill>
-                <a:effectLst/>
-                <a:latin typeface="Calibri" panose="020F0502020204030204" pitchFamily="34" charset="0"/>
-                <a:cs typeface="Calibri" panose="020F0502020204030204" pitchFamily="34" charset="0"/>
-              </a:rPr>
-              <a:t>.</a:t>
-            </a:r>
-          </a:p>
-          <a:p>
-            <a:pPr marL="285750" indent="-285750">
-              <a:buFont typeface="Wingdings" panose="05000000000000000000" pitchFamily="2" charset="2"/>
-              <a:buChar char="§"/>
-            </a:pPr>
-            <a:endParaRPr lang="en-US" sz="2400" dirty="0">
-              <a:solidFill>
-                <a:schemeClr val="tx1">
-                  <a:lumMod val="85000"/>
-                  <a:lumOff val="15000"/>
-                </a:schemeClr>
-              </a:solidFill>
-              <a:latin typeface="Calibri" panose="020F0502020204030204" pitchFamily="34" charset="0"/>
-              <a:cs typeface="Calibri" panose="020F0502020204030204" pitchFamily="34" charset="0"/>
-            </a:endParaRPr>
-          </a:p>
-          <a:p>
-            <a:pPr marL="285750" indent="-285750">
-              <a:buFont typeface="Wingdings" panose="05000000000000000000" pitchFamily="2" charset="2"/>
-              <a:buChar char="§"/>
-            </a:pPr>
-            <a:endParaRPr lang="en-US" sz="2400" i="0" dirty="0">
-              <a:solidFill>
-                <a:schemeClr val="tx1">
-                  <a:lumMod val="85000"/>
-                  <a:lumOff val="15000"/>
-                </a:schemeClr>
-              </a:solidFill>
-              <a:effectLst/>
-              <a:latin typeface="Calibri" panose="020F0502020204030204" pitchFamily="34" charset="0"/>
-              <a:cs typeface="Calibri" panose="020F0502020204030204" pitchFamily="34" charset="0"/>
-            </a:endParaRPr>
+              <a:t>It saves statistics required for its future use. If the prediction is wrong, the getting to know price is taken into consideration to make small changes. Hence, making it progressively closer to making the proper prediction in the course of the backpropagation. </a:t>
+            </a:r>
           </a:p>
         </p:txBody>
       </p:sp>
@@ -7186,8 +6633,8 @@
         </p:nvSpPr>
         <p:spPr>
           <a:xfrm>
-            <a:off x="1296785" y="1288473"/>
-            <a:ext cx="10895215" cy="2050690"/>
+            <a:off x="1296786" y="1288473"/>
+            <a:ext cx="10205786" cy="1525418"/>
           </a:xfrm>
           <a:prstGeom prst="rect">
             <a:avLst/>
@@ -7214,74 +6661,13 @@
               <a:buChar char="§"/>
             </a:pPr>
             <a:r>
-              <a:rPr lang="en-US" sz="2400" i="0" dirty="0">
-                <a:solidFill>
-                  <a:schemeClr val="tx1">
-                    <a:lumMod val="85000"/>
-                    <a:lumOff val="15000"/>
-                  </a:schemeClr>
-                </a:solidFill>
+              <a:rPr lang="en-US" sz="2200" dirty="0">
                 <a:effectLst/>
                 <a:latin typeface="Calibri" panose="020F0502020204030204" pitchFamily="34" charset="0"/>
+                <a:ea typeface="Calibri" panose="020F0502020204030204" pitchFamily="34" charset="0"/>
                 <a:cs typeface="Calibri" panose="020F0502020204030204" pitchFamily="34" charset="0"/>
               </a:rPr>
-              <a:t>A recurrent neural network (RNN) is a class of </a:t>
-            </a:r>
-            <a:r>
-              <a:rPr lang="en-US" sz="2400" i="0" strike="noStrike" dirty="0">
-                <a:solidFill>
-                  <a:schemeClr val="tx1">
-                    <a:lumMod val="85000"/>
-                    <a:lumOff val="15000"/>
-                  </a:schemeClr>
-                </a:solidFill>
-                <a:effectLst/>
-                <a:latin typeface="Calibri" panose="020F0502020204030204" pitchFamily="34" charset="0"/>
-                <a:cs typeface="Calibri" panose="020F0502020204030204" pitchFamily="34" charset="0"/>
-              </a:rPr>
-              <a:t>artificial neural networks</a:t>
-            </a:r>
-            <a:r>
-              <a:rPr lang="en-US" sz="2400" i="0" dirty="0">
-                <a:solidFill>
-                  <a:schemeClr val="tx1">
-                    <a:lumMod val="85000"/>
-                    <a:lumOff val="15000"/>
-                  </a:schemeClr>
-                </a:solidFill>
-                <a:effectLst/>
-                <a:latin typeface="Calibri" panose="020F0502020204030204" pitchFamily="34" charset="0"/>
-                <a:cs typeface="Calibri" panose="020F0502020204030204" pitchFamily="34" charset="0"/>
-              </a:rPr>
-              <a:t> where connections between nodes form a </a:t>
-            </a:r>
-            <a:r>
-              <a:rPr lang="en-US" sz="2400" i="0" strike="noStrike" dirty="0">
-                <a:solidFill>
-                  <a:schemeClr val="tx1">
-                    <a:lumMod val="85000"/>
-                    <a:lumOff val="15000"/>
-                  </a:schemeClr>
-                </a:solidFill>
-                <a:effectLst/>
-                <a:latin typeface="Calibri" panose="020F0502020204030204" pitchFamily="34" charset="0"/>
-                <a:cs typeface="Calibri" panose="020F0502020204030204" pitchFamily="34" charset="0"/>
-              </a:rPr>
-              <a:t>directed graph</a:t>
-            </a:r>
-            <a:r>
-              <a:rPr lang="en-US" sz="2400" i="0" dirty="0">
-                <a:solidFill>
-                  <a:schemeClr val="tx1">
-                    <a:lumMod val="85000"/>
-                    <a:lumOff val="15000"/>
-                  </a:schemeClr>
-                </a:solidFill>
-                <a:effectLst/>
-                <a:latin typeface="Calibri" panose="020F0502020204030204" pitchFamily="34" charset="0"/>
-                <a:cs typeface="Calibri" panose="020F0502020204030204" pitchFamily="34" charset="0"/>
-              </a:rPr>
-              <a:t> along a temporal sequence.</a:t>
+              <a:t>RNN is a class of ANN where connections are established based on directed graphs along a temporal sequence.</a:t>
             </a:r>
           </a:p>
           <a:p>
@@ -7298,34 +6684,8 @@
               <a:buFont typeface="Wingdings" panose="05000000000000000000" pitchFamily="2" charset="2"/>
               <a:buChar char="§"/>
             </a:pPr>
-            <a:endParaRPr lang="en-US" sz="2000" i="0" dirty="0">
-              <a:solidFill>
-                <a:schemeClr val="tx1">
-                  <a:lumMod val="85000"/>
-                  <a:lumOff val="15000"/>
-                </a:schemeClr>
-              </a:solidFill>
-              <a:effectLst/>
-              <a:latin typeface="Calibri" panose="020F0502020204030204" pitchFamily="34" charset="0"/>
-              <a:cs typeface="Calibri" panose="020F0502020204030204" pitchFamily="34" charset="0"/>
-            </a:endParaRPr>
-          </a:p>
-          <a:p>
-            <a:pPr marL="342900" indent="-342900">
-              <a:lnSpc>
-                <a:spcPct val="107000"/>
-              </a:lnSpc>
-              <a:spcBef>
-                <a:spcPts val="0"/>
-              </a:spcBef>
-              <a:spcAft>
-                <a:spcPts val="0"/>
-              </a:spcAft>
-              <a:buFont typeface="Wingdings" panose="05000000000000000000" pitchFamily="2" charset="2"/>
-              <a:buChar char="§"/>
-            </a:pPr>
-            <a:r>
-              <a:rPr lang="en-US" sz="2400" i="0" dirty="0">
+            <a:r>
+              <a:rPr lang="en-US" sz="2200" i="0" dirty="0">
                 <a:solidFill>
                   <a:schemeClr val="tx1">
                     <a:lumMod val="85000"/>
@@ -7339,7 +6699,7 @@
               <a:t>This makes them applicable to tasks such as unsegmented, connected </a:t>
             </a:r>
             <a:r>
-              <a:rPr lang="en-US" sz="2400" i="0" strike="noStrike" dirty="0">
+              <a:rPr lang="en-US" sz="2200" i="0" strike="noStrike" dirty="0">
                 <a:solidFill>
                   <a:schemeClr val="tx1">
                     <a:lumMod val="85000"/>
@@ -7353,7 +6713,7 @@
               <a:t>handwriting recognition</a:t>
             </a:r>
             <a:r>
-              <a:rPr lang="en-US" sz="2400" i="0" dirty="0">
+              <a:rPr lang="en-US" sz="2200" i="0" dirty="0">
                 <a:solidFill>
                   <a:schemeClr val="tx1">
                     <a:lumMod val="85000"/>
@@ -7367,7 +6727,7 @@
               <a:t> or </a:t>
             </a:r>
             <a:r>
-              <a:rPr lang="en-US" sz="2400" i="0" strike="noStrike" dirty="0">
+              <a:rPr lang="en-US" sz="2200" i="0" strike="noStrike" dirty="0">
                 <a:solidFill>
                   <a:schemeClr val="tx1">
                     <a:lumMod val="85000"/>
@@ -7381,28 +6741,20 @@
               <a:t>speech</a:t>
             </a:r>
             <a:r>
-              <a:rPr lang="en-US" sz="2400" i="0" strike="noStrike" dirty="0">
+              <a:rPr lang="en-US" sz="2200" dirty="0">
                 <a:solidFill>
                   <a:schemeClr val="tx1">
                     <a:lumMod val="85000"/>
                     <a:lumOff val="15000"/>
                   </a:schemeClr>
                 </a:solidFill>
-                <a:effectLst/>
                 <a:latin typeface="Calibri" panose="020F0502020204030204" pitchFamily="34" charset="0"/>
                 <a:cs typeface="Calibri" panose="020F0502020204030204" pitchFamily="34" charset="0"/>
-                <a:hlinkClick r:id="rId3" tooltip="Speech recognition">
-                  <a:extLst>
-                    <a:ext uri="{A12FA001-AC4F-418D-AE19-62706E023703}">
-                      <ahyp:hlinkClr xmlns:ahyp="http://schemas.microsoft.com/office/drawing/2018/hyperlinkcolor" val="tx"/>
-                    </a:ext>
-                  </a:extLst>
-                </a:hlinkClick>
               </a:rPr>
               <a:t> </a:t>
             </a:r>
             <a:r>
-              <a:rPr lang="en-US" sz="2400" i="0" strike="noStrike" dirty="0">
+              <a:rPr lang="en-US" sz="2200" i="0" strike="noStrike" dirty="0">
                 <a:solidFill>
                   <a:schemeClr val="tx1">
                     <a:lumMod val="85000"/>
@@ -7416,7 +6768,7 @@
               <a:t>recognition</a:t>
             </a:r>
             <a:r>
-              <a:rPr lang="en-US" sz="2400" i="0" dirty="0">
+              <a:rPr lang="en-US" sz="2200" i="0" dirty="0">
                 <a:solidFill>
                   <a:schemeClr val="tx1">
                     <a:lumMod val="85000"/>
@@ -7442,9 +6794,6 @@
   <p:clrMapOvr>
     <a:masterClrMapping/>
   </p:clrMapOvr>
-  <p:transition spd="slow">
-    <p:push dir="d"/>
-  </p:transition>
 </p:sld>
 </file>
 
@@ -7491,7 +6840,7 @@
         </p:nvSpPr>
         <p:spPr>
           <a:xfrm>
-            <a:off x="1371600" y="685800"/>
+            <a:off x="1295400" y="243114"/>
             <a:ext cx="9601200" cy="1092200"/>
           </a:xfrm>
         </p:spPr>
@@ -7533,13 +6882,13 @@
         </p:nvSpPr>
         <p:spPr>
           <a:xfrm>
-            <a:off x="1371600" y="1908629"/>
-            <a:ext cx="9601200" cy="3958771"/>
+            <a:off x="1371600" y="1240972"/>
+            <a:ext cx="9601200" cy="5450114"/>
           </a:xfrm>
         </p:spPr>
         <p:txBody>
           <a:bodyPr>
-            <a:normAutofit/>
+            <a:noAutofit/>
           </a:bodyPr>
           <a:lstStyle/>
           <a:p>
@@ -7585,8 +6934,42 @@
                 <a:latin typeface="Calibri" panose="020F0502020204030204" pitchFamily="34" charset="0"/>
                 <a:cs typeface="Calibri" panose="020F0502020204030204" pitchFamily="34" charset="0"/>
               </a:rPr>
-              <a:t>All recurrent neural networks have the form of a chain of repeating modules of neural network. In standard RNNs, this repeating module will have a very simple structure, such as a single tan h layer. </a:t>
-            </a:r>
+              <a:t>All recurrent neural networks have the form of a chain of repeating modules of neural network. In standard RNNs, this repeating module will have a very simple structure.</a:t>
+            </a:r>
+          </a:p>
+          <a:p>
+            <a:r>
+              <a:rPr lang="en-US" sz="2200" b="0" i="0" dirty="0">
+                <a:solidFill>
+                  <a:srgbClr val="333333"/>
+                </a:solidFill>
+                <a:effectLst/>
+                <a:latin typeface="CMS"/>
+              </a:rPr>
+              <a:t>LSTMs also have this chain like structure, but the repeating module has a different structure. Instead of having a single neural network layer, there are four, interacting in a very special way.</a:t>
+            </a:r>
+          </a:p>
+          <a:p>
+            <a:r>
+              <a:rPr lang="en-US" sz="2200" dirty="0">
+                <a:effectLst/>
+                <a:latin typeface="Calibri" panose="020F0502020204030204" pitchFamily="34" charset="0"/>
+                <a:ea typeface="Calibri" panose="020F0502020204030204" pitchFamily="34" charset="0"/>
+                <a:cs typeface="Times New Roman" panose="02020603050405020304" pitchFamily="18" charset="0"/>
+              </a:rPr>
+              <a:t>The LSTM module is composed of a cell, a data door, a front door and a door with a view. The cell collects values over arbitrary time intervals, and the three inputs manipulate the development of records inside and out of the cell.</a:t>
+            </a:r>
+            <a:endParaRPr lang="en-US" sz="2200" dirty="0">
+              <a:solidFill>
+                <a:srgbClr val="333333"/>
+              </a:solidFill>
+              <a:latin typeface="CMS"/>
+            </a:endParaRPr>
+          </a:p>
+          <a:p>
+            <a:pPr marL="0" indent="0">
+              <a:buNone/>
+            </a:pPr>
             <a:endParaRPr lang="en-US" sz="2200" dirty="0">
               <a:latin typeface="Calibri" panose="020F0502020204030204" pitchFamily="34" charset="0"/>
               <a:cs typeface="Calibri" panose="020F0502020204030204" pitchFamily="34" charset="0"/>
@@ -7594,53 +6977,6 @@
           </a:p>
         </p:txBody>
       </p:sp>
-      <p:pic>
-        <p:nvPicPr>
-          <p:cNvPr id="1026" name="Picture 2">
-            <a:extLst>
-              <a:ext uri="{FF2B5EF4-FFF2-40B4-BE49-F238E27FC236}">
-                <a16:creationId xmlns:a16="http://schemas.microsoft.com/office/drawing/2014/main" id="{10847230-4C4F-4963-9C70-E8F90E0AAED7}"/>
-              </a:ext>
-            </a:extLst>
-          </p:cNvPr>
-          <p:cNvPicPr>
-            <a:picLocks noChangeAspect="1" noChangeArrowheads="1"/>
-          </p:cNvPicPr>
-          <p:nvPr/>
-        </p:nvPicPr>
-        <p:blipFill>
-          <a:blip r:embed="rId2">
-            <a:extLst>
-              <a:ext uri="{28A0092B-C50C-407E-A947-70E740481C1C}">
-                <a14:useLocalDpi xmlns:a14="http://schemas.microsoft.com/office/drawing/2010/main" val="0"/>
-              </a:ext>
-            </a:extLst>
-          </a:blip>
-          <a:srcRect/>
-          <a:stretch>
-            <a:fillRect/>
-          </a:stretch>
-        </p:blipFill>
-        <p:spPr bwMode="auto">
-          <a:xfrm>
-            <a:off x="3270556" y="4396015"/>
-            <a:ext cx="5803288" cy="2171699"/>
-          </a:xfrm>
-          <a:prstGeom prst="rect">
-            <a:avLst/>
-          </a:prstGeom>
-          <a:noFill/>
-          <a:extLst>
-            <a:ext uri="{909E8E84-426E-40DD-AFC4-6F175D3DCCD1}">
-              <a14:hiddenFill xmlns:a14="http://schemas.microsoft.com/office/drawing/2010/main">
-                <a:solidFill>
-                  <a:srgbClr val="FFFFFF"/>
-                </a:solidFill>
-              </a14:hiddenFill>
-            </a:ext>
-          </a:extLst>
-        </p:spPr>
-      </p:pic>
     </p:spTree>
     <p:extLst>
       <p:ext uri="{BB962C8B-B14F-4D97-AF65-F5344CB8AC3E}">
@@ -7651,277 +6987,10 @@
   <p:clrMapOvr>
     <a:masterClrMapping/>
   </p:clrMapOvr>
-  <p:transition spd="slow">
-    <p:push dir="r"/>
-  </p:transition>
 </p:sld>
 </file>
 
 <file path=ppt/slides/slide8.xml><?xml version="1.0" encoding="utf-8"?>
-<p:sld xmlns:a="http://schemas.openxmlformats.org/drawingml/2006/main" xmlns:r="http://schemas.openxmlformats.org/officeDocument/2006/relationships" xmlns:p="http://schemas.openxmlformats.org/presentationml/2006/main">
-  <p:cSld>
-    <p:bg>
-      <p:bgPr>
-        <a:solidFill>
-          <a:srgbClr val="C7E1EB"/>
-        </a:solidFill>
-        <a:effectLst/>
-      </p:bgPr>
-    </p:bg>
-    <p:spTree>
-      <p:nvGrpSpPr>
-        <p:cNvPr id="1" name=""/>
-        <p:cNvGrpSpPr/>
-        <p:nvPr/>
-      </p:nvGrpSpPr>
-      <p:grpSpPr>
-        <a:xfrm>
-          <a:off x="0" y="0"/>
-          <a:ext cx="0" cy="0"/>
-          <a:chOff x="0" y="0"/>
-          <a:chExt cx="0" cy="0"/>
-        </a:xfrm>
-      </p:grpSpPr>
-      <p:sp>
-        <p:nvSpPr>
-          <p:cNvPr id="3" name="Content Placeholder 2">
-            <a:extLst>
-              <a:ext uri="{FF2B5EF4-FFF2-40B4-BE49-F238E27FC236}">
-                <a16:creationId xmlns:a16="http://schemas.microsoft.com/office/drawing/2014/main" id="{4A0CB0FB-A94B-442A-B463-D71EC6FD7117}"/>
-              </a:ext>
-            </a:extLst>
-          </p:cNvPr>
-          <p:cNvSpPr>
-            <a:spLocks noGrp="1"/>
-          </p:cNvSpPr>
-          <p:nvPr>
-            <p:ph idx="1"/>
-          </p:nvPr>
-        </p:nvSpPr>
-        <p:spPr>
-          <a:xfrm>
-            <a:off x="1371600" y="435429"/>
-            <a:ext cx="9601200" cy="6422571"/>
-          </a:xfrm>
-        </p:spPr>
-        <p:txBody>
-          <a:bodyPr>
-            <a:normAutofit/>
-          </a:bodyPr>
-          <a:lstStyle/>
-          <a:p>
-            <a:r>
-              <a:rPr lang="en-US" b="0" i="0" dirty="0">
-                <a:solidFill>
-                  <a:srgbClr val="333333"/>
-                </a:solidFill>
-                <a:effectLst/>
-                <a:latin typeface="CMS"/>
-              </a:rPr>
-              <a:t>LSTMs also have this chain like structure, but the repeating module has a different structure. Instead of having a single neural network layer, there are four, interacting in a very special way.</a:t>
-            </a:r>
-          </a:p>
-          <a:p>
-            <a:endParaRPr lang="en-US" dirty="0">
-              <a:solidFill>
-                <a:srgbClr val="333333"/>
-              </a:solidFill>
-              <a:latin typeface="CMS"/>
-            </a:endParaRPr>
-          </a:p>
-          <a:p>
-            <a:pPr marL="0" indent="0">
-              <a:buNone/>
-            </a:pPr>
-            <a:endParaRPr lang="en-US" dirty="0">
-              <a:solidFill>
-                <a:srgbClr val="333333"/>
-              </a:solidFill>
-              <a:latin typeface="CMS"/>
-            </a:endParaRPr>
-          </a:p>
-          <a:p>
-            <a:pPr marL="0" indent="0">
-              <a:buNone/>
-            </a:pPr>
-            <a:endParaRPr lang="en-US" dirty="0">
-              <a:solidFill>
-                <a:srgbClr val="333333"/>
-              </a:solidFill>
-              <a:latin typeface="CMS"/>
-            </a:endParaRPr>
-          </a:p>
-          <a:p>
-            <a:pPr marL="0" indent="0">
-              <a:buNone/>
-            </a:pPr>
-            <a:endParaRPr lang="en-US" dirty="0">
-              <a:solidFill>
-                <a:srgbClr val="333333"/>
-              </a:solidFill>
-              <a:latin typeface="CMS"/>
-            </a:endParaRPr>
-          </a:p>
-          <a:p>
-            <a:pPr marL="0" indent="0">
-              <a:buNone/>
-            </a:pPr>
-            <a:endParaRPr lang="en-US" dirty="0">
-              <a:solidFill>
-                <a:srgbClr val="333333"/>
-              </a:solidFill>
-              <a:latin typeface="CMS"/>
-            </a:endParaRPr>
-          </a:p>
-          <a:p>
-            <a:endParaRPr lang="en-US" dirty="0">
-              <a:solidFill>
-                <a:srgbClr val="333333"/>
-              </a:solidFill>
-              <a:latin typeface="CMS"/>
-            </a:endParaRPr>
-          </a:p>
-          <a:p>
-            <a:endParaRPr lang="en-US" dirty="0">
-              <a:solidFill>
-                <a:srgbClr val="333333"/>
-              </a:solidFill>
-              <a:latin typeface="CMS"/>
-            </a:endParaRPr>
-          </a:p>
-          <a:p>
-            <a:endParaRPr lang="en-US" dirty="0">
-              <a:solidFill>
-                <a:srgbClr val="333333"/>
-              </a:solidFill>
-              <a:latin typeface="CMS"/>
-            </a:endParaRPr>
-          </a:p>
-          <a:p>
-            <a:endParaRPr lang="en-US" dirty="0">
-              <a:solidFill>
-                <a:srgbClr val="333333"/>
-              </a:solidFill>
-              <a:latin typeface="CMS"/>
-            </a:endParaRPr>
-          </a:p>
-          <a:p>
-            <a:endParaRPr lang="en-US" dirty="0">
-              <a:solidFill>
-                <a:srgbClr val="333333"/>
-              </a:solidFill>
-              <a:latin typeface="CMS"/>
-            </a:endParaRPr>
-          </a:p>
-          <a:p>
-            <a:r>
-              <a:rPr lang="en-US" b="0" i="0" dirty="0">
-                <a:solidFill>
-                  <a:srgbClr val="333333"/>
-                </a:solidFill>
-                <a:effectLst/>
-                <a:latin typeface="CMS"/>
-              </a:rPr>
-              <a:t>In the above diagram, each line carries an entire vector, from the output of one node to the inputs of others.</a:t>
-            </a:r>
-            <a:endParaRPr lang="en-US" dirty="0"/>
-          </a:p>
-        </p:txBody>
-      </p:sp>
-      <p:pic>
-        <p:nvPicPr>
-          <p:cNvPr id="6" name="Picture 5">
-            <a:extLst>
-              <a:ext uri="{FF2B5EF4-FFF2-40B4-BE49-F238E27FC236}">
-                <a16:creationId xmlns:a16="http://schemas.microsoft.com/office/drawing/2014/main" id="{DAE1E57C-55E0-427D-91E7-BA3DA40AB692}"/>
-              </a:ext>
-            </a:extLst>
-          </p:cNvPr>
-          <p:cNvPicPr>
-            <a:picLocks noChangeAspect="1"/>
-          </p:cNvPicPr>
-          <p:nvPr/>
-        </p:nvPicPr>
-        <p:blipFill>
-          <a:blip r:embed="rId2"/>
-          <a:stretch>
-            <a:fillRect/>
-          </a:stretch>
-        </p:blipFill>
-        <p:spPr>
-          <a:xfrm>
-            <a:off x="2449394" y="1529776"/>
-            <a:ext cx="7293211" cy="2740261"/>
-          </a:xfrm>
-          <a:prstGeom prst="rect">
-            <a:avLst/>
-          </a:prstGeom>
-        </p:spPr>
-      </p:pic>
-      <p:pic>
-        <p:nvPicPr>
-          <p:cNvPr id="2056" name="Picture 8">
-            <a:extLst>
-              <a:ext uri="{FF2B5EF4-FFF2-40B4-BE49-F238E27FC236}">
-                <a16:creationId xmlns:a16="http://schemas.microsoft.com/office/drawing/2014/main" id="{F3C8F299-58ED-4208-A7B9-D424837AA499}"/>
-              </a:ext>
-            </a:extLst>
-          </p:cNvPr>
-          <p:cNvPicPr>
-            <a:picLocks noChangeAspect="1" noChangeArrowheads="1"/>
-          </p:cNvPicPr>
-          <p:nvPr/>
-        </p:nvPicPr>
-        <p:blipFill>
-          <a:blip r:embed="rId3">
-            <a:extLst>
-              <a:ext uri="{28A0092B-C50C-407E-A947-70E740481C1C}">
-                <a14:useLocalDpi xmlns:a14="http://schemas.microsoft.com/office/drawing/2010/main" val="0"/>
-              </a:ext>
-            </a:extLst>
-          </a:blip>
-          <a:srcRect/>
-          <a:stretch>
-            <a:fillRect/>
-          </a:stretch>
-        </p:blipFill>
-        <p:spPr bwMode="auto">
-          <a:xfrm>
-            <a:off x="3200290" y="4527508"/>
-            <a:ext cx="5791419" cy="1079032"/>
-          </a:xfrm>
-          <a:prstGeom prst="rect">
-            <a:avLst/>
-          </a:prstGeom>
-          <a:noFill/>
-          <a:extLst>
-            <a:ext uri="{909E8E84-426E-40DD-AFC4-6F175D3DCCD1}">
-              <a14:hiddenFill xmlns:a14="http://schemas.microsoft.com/office/drawing/2010/main">
-                <a:solidFill>
-                  <a:srgbClr val="FFFFFF"/>
-                </a:solidFill>
-              </a14:hiddenFill>
-            </a:ext>
-          </a:extLst>
-        </p:spPr>
-      </p:pic>
-    </p:spTree>
-    <p:extLst>
-      <p:ext uri="{BB962C8B-B14F-4D97-AF65-F5344CB8AC3E}">
-        <p14:creationId xmlns:p14="http://schemas.microsoft.com/office/powerpoint/2010/main" val="705110841"/>
-      </p:ext>
-    </p:extLst>
-  </p:cSld>
-  <p:clrMapOvr>
-    <a:masterClrMapping/>
-  </p:clrMapOvr>
-  <p:transition spd="slow">
-    <p:push/>
-  </p:transition>
-</p:sld>
-</file>
-
-<file path=ppt/slides/slide9.xml><?xml version="1.0" encoding="utf-8"?>
 <p:sld xmlns:a="http://schemas.openxmlformats.org/drawingml/2006/main" xmlns:r="http://schemas.openxmlformats.org/officeDocument/2006/relationships" xmlns:p="http://schemas.openxmlformats.org/presentationml/2006/main">
   <p:cSld>
     <p:bg>
@@ -8032,82 +7101,35 @@
             </a:r>
           </a:p>
           <a:p>
-            <a:pPr marL="0" marR="0" indent="0">
-              <a:lnSpc>
-                <a:spcPct val="107000"/>
-              </a:lnSpc>
-              <a:spcBef>
-                <a:spcPts val="0"/>
-              </a:spcBef>
-              <a:spcAft>
-                <a:spcPts val="0"/>
-              </a:spcAft>
-              <a:buNone/>
-            </a:pPr>
-            <a:endParaRPr lang="en-US" dirty="0"/>
-          </a:p>
-          <a:p>
-            <a:pPr marL="0" marR="0" indent="0">
-              <a:lnSpc>
-                <a:spcPct val="107000"/>
-              </a:lnSpc>
-              <a:spcBef>
-                <a:spcPts val="0"/>
-              </a:spcBef>
-              <a:spcAft>
-                <a:spcPts val="0"/>
-              </a:spcAft>
-              <a:buNone/>
-            </a:pPr>
-            <a:endParaRPr lang="en-US" dirty="0"/>
-          </a:p>
-        </p:txBody>
-      </p:sp>
-      <p:pic>
-        <p:nvPicPr>
-          <p:cNvPr id="3074" name="Picture 2" descr="Support Vector Machines: A Simple Explanation - KDnuggets">
-            <a:extLst>
-              <a:ext uri="{FF2B5EF4-FFF2-40B4-BE49-F238E27FC236}">
-                <a16:creationId xmlns:a16="http://schemas.microsoft.com/office/drawing/2014/main" id="{FD3FED4B-5DCC-4A44-8942-6F64856453A7}"/>
-              </a:ext>
-            </a:extLst>
-          </p:cNvPr>
-          <p:cNvPicPr>
-            <a:picLocks noChangeAspect="1" noChangeArrowheads="1"/>
-          </p:cNvPicPr>
-          <p:nvPr/>
-        </p:nvPicPr>
-        <p:blipFill rotWithShape="1">
-          <a:blip r:embed="rId2">
-            <a:extLst>
-              <a:ext uri="{28A0092B-C50C-407E-A947-70E740481C1C}">
-                <a14:useLocalDpi xmlns:a14="http://schemas.microsoft.com/office/drawing/2010/main" val="0"/>
-              </a:ext>
-            </a:extLst>
-          </a:blip>
-          <a:srcRect l="29836" t="11308" r="19962" b="3785"/>
-          <a:stretch/>
-        </p:blipFill>
-        <p:spPr bwMode="auto">
-          <a:xfrm>
-            <a:off x="8002668" y="3311629"/>
-            <a:ext cx="4189331" cy="3542557"/>
-          </a:xfrm>
-          <a:prstGeom prst="rect">
-            <a:avLst/>
-          </a:prstGeom>
-          <a:noFill/>
-          <a:extLst>
-            <a:ext uri="{909E8E84-426E-40DD-AFC4-6F175D3DCCD1}">
-              <a14:hiddenFill xmlns:a14="http://schemas.microsoft.com/office/drawing/2010/main">
-                <a:solidFill>
-                  <a:srgbClr val="FFFFFF"/>
-                </a:solidFill>
-              </a14:hiddenFill>
-            </a:ext>
-          </a:extLst>
-        </p:spPr>
-      </p:pic>
+            <a:r>
+              <a:rPr lang="en-US" dirty="0">
+                <a:effectLst/>
+                <a:latin typeface="Calibri" panose="020F0502020204030204" pitchFamily="34" charset="0"/>
+                <a:ea typeface="Calibri" panose="020F0502020204030204" pitchFamily="34" charset="0"/>
+                <a:cs typeface="Calibri" panose="020F0502020204030204" pitchFamily="34" charset="0"/>
+              </a:rPr>
+              <a:t>In classification problems there are a set number of outputs that a feature set can be labeled as, whereas the output can take on continuous values in regression problems.</a:t>
+            </a:r>
+          </a:p>
+          <a:p>
+            <a:r>
+              <a:rPr lang="en-US" b="0" i="0" dirty="0">
+                <a:solidFill>
+                  <a:srgbClr val="202124"/>
+                </a:solidFill>
+                <a:effectLst/>
+                <a:latin typeface="Calibri" panose="020F0502020204030204" pitchFamily="34" charset="0"/>
+                <a:cs typeface="Calibri" panose="020F0502020204030204" pitchFamily="34" charset="0"/>
+              </a:rPr>
+              <a:t>The linear separability of the data plays a significant role in deciding the degree of tolerance in SVM.</a:t>
+            </a:r>
+            <a:endParaRPr lang="en-US" dirty="0">
+              <a:latin typeface="Calibri" panose="020F0502020204030204" pitchFamily="34" charset="0"/>
+              <a:cs typeface="Calibri" panose="020F0502020204030204" pitchFamily="34" charset="0"/>
+            </a:endParaRPr>
+          </a:p>
+        </p:txBody>
+      </p:sp>
       <p:pic>
         <p:nvPicPr>
           <p:cNvPr id="4104" name="Picture 8" descr="SVM – Plotting the Hyperplane – Machine Learning &amp;amp; Artificial Intelligence">
@@ -8123,7 +7145,7 @@
           <p:nvPr/>
         </p:nvPicPr>
         <p:blipFill>
-          <a:blip r:embed="rId3">
+          <a:blip r:embed="rId2">
             <a:extLst>
               <a:ext uri="{28A0092B-C50C-407E-A947-70E740481C1C}">
                 <a14:useLocalDpi xmlns:a14="http://schemas.microsoft.com/office/drawing/2010/main" val="0"/>
@@ -8137,8 +7159,8 @@
         </p:blipFill>
         <p:spPr bwMode="auto">
           <a:xfrm>
-            <a:off x="705394" y="3311629"/>
-            <a:ext cx="7297274" cy="3542557"/>
+            <a:off x="3755571" y="4418702"/>
+            <a:ext cx="4680857" cy="2272383"/>
           </a:xfrm>
           <a:prstGeom prst="rect">
             <a:avLst/>
@@ -8165,9 +7187,226 @@
   <p:clrMapOvr>
     <a:masterClrMapping/>
   </p:clrMapOvr>
-  <p:transition spd="slow">
-    <p:push dir="d"/>
-  </p:transition>
+</p:sld>
+</file>
+
+<file path=ppt/slides/slide9.xml><?xml version="1.0" encoding="utf-8"?>
+<p:sld xmlns:a="http://schemas.openxmlformats.org/drawingml/2006/main" xmlns:r="http://schemas.openxmlformats.org/officeDocument/2006/relationships" xmlns:p="http://schemas.openxmlformats.org/presentationml/2006/main">
+  <p:cSld>
+    <p:bg>
+      <p:bgPr>
+        <a:solidFill>
+          <a:srgbClr val="D4DDF8"/>
+        </a:solidFill>
+        <a:effectLst/>
+      </p:bgPr>
+    </p:bg>
+    <p:spTree>
+      <p:nvGrpSpPr>
+        <p:cNvPr id="1" name=""/>
+        <p:cNvGrpSpPr/>
+        <p:nvPr/>
+      </p:nvGrpSpPr>
+      <p:grpSpPr>
+        <a:xfrm>
+          <a:off x="0" y="0"/>
+          <a:ext cx="0" cy="0"/>
+          <a:chOff x="0" y="0"/>
+          <a:chExt cx="0" cy="0"/>
+        </a:xfrm>
+      </p:grpSpPr>
+      <p:sp>
+        <p:nvSpPr>
+          <p:cNvPr id="2" name="Title 1">
+            <a:extLst>
+              <a:ext uri="{FF2B5EF4-FFF2-40B4-BE49-F238E27FC236}">
+                <a16:creationId xmlns:a16="http://schemas.microsoft.com/office/drawing/2014/main" id="{EDBF43FD-89B7-47C7-9665-728284DB6B33}"/>
+              </a:ext>
+            </a:extLst>
+          </p:cNvPr>
+          <p:cNvSpPr>
+            <a:spLocks noGrp="1"/>
+          </p:cNvSpPr>
+          <p:nvPr>
+            <p:ph type="title"/>
+          </p:nvPr>
+        </p:nvSpPr>
+        <p:spPr/>
+        <p:txBody>
+          <a:bodyPr/>
+          <a:lstStyle/>
+          <a:p>
+            <a:r>
+              <a:rPr lang="en-IN" sz="4400" dirty="0">
+                <a:effectLst/>
+                <a:latin typeface="Times New Roman" panose="02020603050405020304" pitchFamily="18" charset="0"/>
+                <a:ea typeface="Calibri" panose="020F0502020204030204" pitchFamily="34" charset="0"/>
+                <a:cs typeface="Times New Roman" panose="02020603050405020304" pitchFamily="18" charset="0"/>
+              </a:rPr>
+              <a:t>WHAT ARIMA STANDS FOR?</a:t>
+            </a:r>
+            <a:endParaRPr lang="en-US" dirty="0">
+              <a:latin typeface="Times New Roman" panose="02020603050405020304" pitchFamily="18" charset="0"/>
+              <a:cs typeface="Times New Roman" panose="02020603050405020304" pitchFamily="18" charset="0"/>
+            </a:endParaRPr>
+          </a:p>
+        </p:txBody>
+      </p:sp>
+      <p:sp>
+        <p:nvSpPr>
+          <p:cNvPr id="3" name="Content Placeholder 2">
+            <a:extLst>
+              <a:ext uri="{FF2B5EF4-FFF2-40B4-BE49-F238E27FC236}">
+                <a16:creationId xmlns:a16="http://schemas.microsoft.com/office/drawing/2014/main" id="{7E6361FD-4539-4556-9C60-2C0D41F8A318}"/>
+              </a:ext>
+            </a:extLst>
+          </p:cNvPr>
+          <p:cNvSpPr>
+            <a:spLocks noGrp="1"/>
+          </p:cNvSpPr>
+          <p:nvPr>
+            <p:ph idx="1"/>
+          </p:nvPr>
+        </p:nvSpPr>
+        <p:spPr>
+          <a:xfrm>
+            <a:off x="1371599" y="1695796"/>
+            <a:ext cx="9709265" cy="4754880"/>
+          </a:xfrm>
+        </p:spPr>
+        <p:txBody>
+          <a:bodyPr>
+            <a:normAutofit/>
+          </a:bodyPr>
+          <a:lstStyle/>
+          <a:p>
+            <a:pPr marL="0" indent="0">
+              <a:buNone/>
+            </a:pPr>
+            <a:r>
+              <a:rPr lang="en-US" sz="2400" dirty="0">
+                <a:latin typeface="Calibri" panose="020F0502020204030204" pitchFamily="34" charset="0"/>
+                <a:cs typeface="Calibri" panose="020F0502020204030204" pitchFamily="34" charset="0"/>
+              </a:rPr>
+              <a:t>ARIMA is an acronym that stands for </a:t>
+            </a:r>
+            <a:r>
+              <a:rPr lang="en-US" sz="2400" b="1" dirty="0">
+                <a:latin typeface="Calibri" panose="020F0502020204030204" pitchFamily="34" charset="0"/>
+                <a:cs typeface="Calibri" panose="020F0502020204030204" pitchFamily="34" charset="0"/>
+              </a:rPr>
+              <a:t>Autoregressive Integrated Moving Average</a:t>
+            </a:r>
+            <a:r>
+              <a:rPr lang="en-US" sz="2400" dirty="0">
+                <a:latin typeface="Calibri" panose="020F0502020204030204" pitchFamily="34" charset="0"/>
+                <a:cs typeface="Calibri" panose="020F0502020204030204" pitchFamily="34" charset="0"/>
+              </a:rPr>
+              <a:t>.</a:t>
+            </a:r>
+          </a:p>
+          <a:p>
+            <a:pPr marL="0" indent="0">
+              <a:buNone/>
+            </a:pPr>
+            <a:endParaRPr lang="en-US" sz="2400" dirty="0">
+              <a:latin typeface="Calibri" panose="020F0502020204030204" pitchFamily="34" charset="0"/>
+              <a:cs typeface="Calibri" panose="020F0502020204030204" pitchFamily="34" charset="0"/>
+            </a:endParaRPr>
+          </a:p>
+          <a:p>
+            <a:pPr>
+              <a:buFont typeface="Wingdings" panose="05000000000000000000" pitchFamily="2" charset="2"/>
+              <a:buChar char="§"/>
+            </a:pPr>
+            <a:r>
+              <a:rPr lang="en-US" sz="2200" dirty="0">
+                <a:latin typeface="Calibri" panose="020F0502020204030204" pitchFamily="34" charset="0"/>
+                <a:cs typeface="Calibri" panose="020F0502020204030204" pitchFamily="34" charset="0"/>
+              </a:rPr>
+              <a:t>AR: </a:t>
+            </a:r>
+            <a:r>
+              <a:rPr lang="en-US" sz="2200" b="1" dirty="0">
+                <a:latin typeface="Calibri" panose="020F0502020204030204" pitchFamily="34" charset="0"/>
+                <a:cs typeface="Calibri" panose="020F0502020204030204" pitchFamily="34" charset="0"/>
+              </a:rPr>
+              <a:t>Autoregression</a:t>
+            </a:r>
+            <a:r>
+              <a:rPr lang="en-US" sz="2200" dirty="0">
+                <a:latin typeface="Calibri" panose="020F0502020204030204" pitchFamily="34" charset="0"/>
+                <a:cs typeface="Calibri" panose="020F0502020204030204" pitchFamily="34" charset="0"/>
+              </a:rPr>
+              <a:t> - A model that uses the dependent relationship between an observation and some number of lagged observations.</a:t>
+            </a:r>
+          </a:p>
+          <a:p>
+            <a:pPr>
+              <a:buFont typeface="Wingdings" panose="05000000000000000000" pitchFamily="2" charset="2"/>
+              <a:buChar char="§"/>
+            </a:pPr>
+            <a:r>
+              <a:rPr lang="en-US" sz="2200" dirty="0">
+                <a:latin typeface="Calibri" panose="020F0502020204030204" pitchFamily="34" charset="0"/>
+                <a:cs typeface="Calibri" panose="020F0502020204030204" pitchFamily="34" charset="0"/>
+              </a:rPr>
+              <a:t>I: </a:t>
+            </a:r>
+            <a:r>
+              <a:rPr lang="en-US" sz="2200" b="1" dirty="0">
+                <a:latin typeface="Calibri" panose="020F0502020204030204" pitchFamily="34" charset="0"/>
+                <a:cs typeface="Calibri" panose="020F0502020204030204" pitchFamily="34" charset="0"/>
+              </a:rPr>
+              <a:t>Integrated</a:t>
+            </a:r>
+            <a:r>
+              <a:rPr lang="en-US" sz="2200" dirty="0">
+                <a:latin typeface="Calibri" panose="020F0502020204030204" pitchFamily="34" charset="0"/>
+                <a:cs typeface="Calibri" panose="020F0502020204030204" pitchFamily="34" charset="0"/>
+              </a:rPr>
+              <a:t> - The use of differencing of raw observations (e.g., subtracting an observation from an observation at the previous time step) in order to make the time series stationary.</a:t>
+            </a:r>
+          </a:p>
+          <a:p>
+            <a:pPr>
+              <a:buFont typeface="Wingdings" panose="05000000000000000000" pitchFamily="2" charset="2"/>
+              <a:buChar char="§"/>
+            </a:pPr>
+            <a:r>
+              <a:rPr lang="en-US" sz="2200" dirty="0">
+                <a:latin typeface="Calibri" panose="020F0502020204030204" pitchFamily="34" charset="0"/>
+                <a:cs typeface="Calibri" panose="020F0502020204030204" pitchFamily="34" charset="0"/>
+              </a:rPr>
+              <a:t>MA: </a:t>
+            </a:r>
+            <a:r>
+              <a:rPr lang="en-US" sz="2200" b="1" dirty="0">
+                <a:latin typeface="Calibri" panose="020F0502020204030204" pitchFamily="34" charset="0"/>
+                <a:cs typeface="Calibri" panose="020F0502020204030204" pitchFamily="34" charset="0"/>
+              </a:rPr>
+              <a:t>Moving Average </a:t>
+            </a:r>
+            <a:r>
+              <a:rPr lang="en-US" sz="2200" dirty="0">
+                <a:latin typeface="Calibri" panose="020F0502020204030204" pitchFamily="34" charset="0"/>
+                <a:cs typeface="Calibri" panose="020F0502020204030204" pitchFamily="34" charset="0"/>
+              </a:rPr>
+              <a:t>- A model that uses the dependency between an observation and a residual error from a moving average model applied to lagged observations.</a:t>
+            </a:r>
+          </a:p>
+        </p:txBody>
+      </p:sp>
+    </p:spTree>
+    <p:extLst>
+      <p:ext uri="{BB962C8B-B14F-4D97-AF65-F5344CB8AC3E}">
+        <p14:creationId xmlns:p14="http://schemas.microsoft.com/office/powerpoint/2010/main" val="1728458805"/>
+      </p:ext>
+    </p:extLst>
+  </p:cSld>
+  <p:clrMapOvr>
+    <a:masterClrMapping/>
+  </p:clrMapOvr>
 </p:sld>
 </file>
 

--- a/review paper/Time series analysis.pptx
+++ b/review paper/Time series analysis.pptx
@@ -5600,7 +5600,7 @@
         </p:spPr>
         <p:txBody>
           <a:bodyPr>
-            <a:normAutofit lnSpcReduction="10000"/>
+            <a:normAutofit/>
           </a:bodyPr>
           <a:lstStyle/>
           <a:p>
@@ -5615,20 +5615,6 @@
                 <a:cs typeface="Times New Roman" panose="02020603050405020304" pitchFamily="18" charset="0"/>
               </a:rPr>
               <a:t>This strategy can be used and is appropriate for high-tech market scenarios, particularly for banks, because it provides a substantial indicator for the future. </a:t>
-            </a:r>
-          </a:p>
-          <a:p>
-            <a:r>
-              <a:rPr lang="en-US" sz="2400" dirty="0">
-                <a:solidFill>
-                  <a:srgbClr val="000000"/>
-                </a:solidFill>
-                <a:effectLst/>
-                <a:latin typeface="Calibri" panose="020F0502020204030204" pitchFamily="34" charset="0"/>
-                <a:ea typeface="Calibri" panose="020F0502020204030204" pitchFamily="34" charset="0"/>
-                <a:cs typeface="Times New Roman" panose="02020603050405020304" pitchFamily="18" charset="0"/>
-              </a:rPr>
-              <a:t>The approach was designed for short-term forecasting and is not suitable for long-term forecasting.</a:t>
             </a:r>
           </a:p>
           <a:p>
